--- a/Slides/Day-5/FASTAPI Development using Python on Cloud-Day5.pptx
+++ b/Slides/Day-5/FASTAPI Development using Python on Cloud-Day5.pptx
@@ -6,15 +6,16 @@
   </p:sldMasterIdLst>
   <p:sldIdLst>
     <p:sldId id="256" r:id="rId2"/>
-    <p:sldId id="282" r:id="rId3"/>
-    <p:sldId id="283" r:id="rId4"/>
-    <p:sldId id="284" r:id="rId5"/>
-    <p:sldId id="285" r:id="rId6"/>
-    <p:sldId id="286" r:id="rId7"/>
-    <p:sldId id="257" r:id="rId8"/>
-    <p:sldId id="258" r:id="rId9"/>
-    <p:sldId id="259" r:id="rId10"/>
-    <p:sldId id="260" r:id="rId11"/>
+    <p:sldId id="287" r:id="rId3"/>
+    <p:sldId id="282" r:id="rId4"/>
+    <p:sldId id="283" r:id="rId5"/>
+    <p:sldId id="284" r:id="rId6"/>
+    <p:sldId id="285" r:id="rId7"/>
+    <p:sldId id="286" r:id="rId8"/>
+    <p:sldId id="257" r:id="rId9"/>
+    <p:sldId id="258" r:id="rId10"/>
+    <p:sldId id="259" r:id="rId11"/>
+    <p:sldId id="260" r:id="rId12"/>
   </p:sldIdLst>
   <p:sldSz cx="12192000" cy="6858000"/>
   <p:notesSz cx="6858000" cy="9144000"/>
@@ -922,7 +923,7 @@
           <a:p>
             <a:fld id="{FD1C4689-B28D-4D3C-8B05-9ABB967E2A3E}" type="datetime1">
               <a:rPr lang="en-US" smtClean="0"/>
-              <a:t>2/12/2026</a:t>
+              <a:t>2/13/2026</a:t>
             </a:fld>
             <a:endParaRPr lang="en-US" dirty="0"/>
           </a:p>
@@ -1179,7 +1180,7 @@
           <a:p>
             <a:fld id="{FD1C4689-B28D-4D3C-8B05-9ABB967E2A3E}" type="datetime1">
               <a:rPr lang="en-US" smtClean="0"/>
-              <a:t>2/12/2026</a:t>
+              <a:t>2/13/2026</a:t>
             </a:fld>
             <a:endParaRPr lang="en-US" dirty="0"/>
           </a:p>
@@ -1499,7 +1500,7 @@
           <a:p>
             <a:fld id="{FD1C4689-B28D-4D3C-8B05-9ABB967E2A3E}" type="datetime1">
               <a:rPr lang="en-US" smtClean="0"/>
-              <a:t>2/12/2026</a:t>
+              <a:t>2/13/2026</a:t>
             </a:fld>
             <a:endParaRPr lang="en-US" dirty="0"/>
           </a:p>
@@ -1838,7 +1839,7 @@
           <a:p>
             <a:fld id="{FD1C4689-B28D-4D3C-8B05-9ABB967E2A3E}" type="datetime1">
               <a:rPr lang="en-US" smtClean="0"/>
-              <a:t>2/12/2026</a:t>
+              <a:t>2/13/2026</a:t>
             </a:fld>
             <a:endParaRPr lang="en-US" dirty="0"/>
           </a:p>
@@ -2158,7 +2159,7 @@
           <a:p>
             <a:fld id="{FD1C4689-B28D-4D3C-8B05-9ABB967E2A3E}" type="datetime1">
               <a:rPr lang="en-US" smtClean="0"/>
-              <a:t>2/12/2026</a:t>
+              <a:t>2/13/2026</a:t>
             </a:fld>
             <a:endParaRPr lang="en-US" dirty="0"/>
           </a:p>
@@ -2557,7 +2558,7 @@
           <a:p>
             <a:fld id="{FD1C4689-B28D-4D3C-8B05-9ABB967E2A3E}" type="datetime1">
               <a:rPr lang="en-US" smtClean="0"/>
-              <a:t>2/12/2026</a:t>
+              <a:t>2/13/2026</a:t>
             </a:fld>
             <a:endParaRPr lang="en-US" dirty="0"/>
           </a:p>
@@ -2733,7 +2734,7 @@
           <a:p>
             <a:fld id="{FD1C4689-B28D-4D3C-8B05-9ABB967E2A3E}" type="datetime1">
               <a:rPr lang="en-US" smtClean="0"/>
-              <a:t>2/12/2026</a:t>
+              <a:t>2/13/2026</a:t>
             </a:fld>
             <a:endParaRPr lang="en-US" dirty="0"/>
           </a:p>
@@ -2919,7 +2920,7 @@
           <a:p>
             <a:fld id="{FD1C4689-B28D-4D3C-8B05-9ABB967E2A3E}" type="datetime1">
               <a:rPr lang="en-US" smtClean="0"/>
-              <a:t>2/12/2026</a:t>
+              <a:t>2/13/2026</a:t>
             </a:fld>
             <a:endParaRPr lang="en-US" dirty="0"/>
           </a:p>
@@ -3095,7 +3096,7 @@
           <a:p>
             <a:fld id="{FD1C4689-B28D-4D3C-8B05-9ABB967E2A3E}" type="datetime1">
               <a:rPr lang="en-US" smtClean="0"/>
-              <a:t>2/12/2026</a:t>
+              <a:t>2/13/2026</a:t>
             </a:fld>
             <a:endParaRPr lang="en-US" dirty="0"/>
           </a:p>
@@ -3348,7 +3349,7 @@
           <a:p>
             <a:fld id="{FD1C4689-B28D-4D3C-8B05-9ABB967E2A3E}" type="datetime1">
               <a:rPr lang="en-US" smtClean="0"/>
-              <a:t>2/12/2026</a:t>
+              <a:t>2/13/2026</a:t>
             </a:fld>
             <a:endParaRPr lang="en-US" dirty="0"/>
           </a:p>
@@ -3586,7 +3587,7 @@
           <a:p>
             <a:fld id="{FD1C4689-B28D-4D3C-8B05-9ABB967E2A3E}" type="datetime1">
               <a:rPr lang="en-US" smtClean="0"/>
-              <a:t>2/12/2026</a:t>
+              <a:t>2/13/2026</a:t>
             </a:fld>
             <a:endParaRPr lang="en-US" dirty="0"/>
           </a:p>
@@ -3966,7 +3967,7 @@
           <a:p>
             <a:fld id="{FD1C4689-B28D-4D3C-8B05-9ABB967E2A3E}" type="datetime1">
               <a:rPr lang="en-US" smtClean="0"/>
-              <a:t>2/12/2026</a:t>
+              <a:t>2/13/2026</a:t>
             </a:fld>
             <a:endParaRPr lang="en-US" dirty="0"/>
           </a:p>
@@ -4095,7 +4096,7 @@
           <a:p>
             <a:fld id="{7C72CE4D-D83F-44D4-ACB0-A88A6B9DB4F7}" type="datetime1">
               <a:rPr lang="en-US" smtClean="0"/>
-              <a:t>2/12/2026</a:t>
+              <a:t>2/13/2026</a:t>
             </a:fld>
             <a:endParaRPr lang="en-US"/>
           </a:p>
@@ -4193,7 +4194,7 @@
           <a:p>
             <a:fld id="{9A62F981-1EE1-49F5-B605-4EA23F0307AC}" type="datetime1">
               <a:rPr lang="en-US" smtClean="0"/>
-              <a:t>2/12/2026</a:t>
+              <a:t>2/13/2026</a:t>
             </a:fld>
             <a:endParaRPr lang="en-US"/>
           </a:p>
@@ -4451,7 +4452,7 @@
           <a:p>
             <a:fld id="{B0B6493B-A447-4205-AC2D-AE2DEDAE4E3B}" type="datetime1">
               <a:rPr lang="en-US" smtClean="0"/>
-              <a:t>2/12/2026</a:t>
+              <a:t>2/13/2026</a:t>
             </a:fld>
             <a:endParaRPr lang="en-US"/>
           </a:p>
@@ -4764,7 +4765,7 @@
           <a:p>
             <a:fld id="{FD1C4689-B28D-4D3C-8B05-9ABB967E2A3E}" type="datetime1">
               <a:rPr lang="en-US" smtClean="0"/>
-              <a:t>2/12/2026</a:t>
+              <a:t>2/13/2026</a:t>
             </a:fld>
             <a:endParaRPr lang="en-US" dirty="0"/>
           </a:p>
@@ -5523,7 +5524,7 @@
           <a:p>
             <a:fld id="{FD1C4689-B28D-4D3C-8B05-9ABB967E2A3E}" type="datetime1">
               <a:rPr lang="en-US" smtClean="0"/>
-              <a:t>2/12/2026</a:t>
+              <a:t>2/13/2026</a:t>
             </a:fld>
             <a:endParaRPr lang="en-US" dirty="0"/>
           </a:p>
@@ -6127,1203 +6128,6 @@
 </file>
 
 <file path=ppt/slides/slide10.xml><?xml version="1.0" encoding="utf-8"?>
-<p:sld xmlns:a="http://schemas.openxmlformats.org/drawingml/2006/main" xmlns:r="http://schemas.openxmlformats.org/officeDocument/2006/relationships" xmlns:p="http://schemas.openxmlformats.org/presentationml/2006/main">
-  <p:cSld>
-    <p:spTree>
-      <p:nvGrpSpPr>
-        <p:cNvPr id="1" name=""/>
-        <p:cNvGrpSpPr/>
-        <p:nvPr/>
-      </p:nvGrpSpPr>
-      <p:grpSpPr>
-        <a:xfrm>
-          <a:off x="0" y="0"/>
-          <a:ext cx="0" cy="0"/>
-          <a:chOff x="0" y="0"/>
-          <a:chExt cx="0" cy="0"/>
-        </a:xfrm>
-      </p:grpSpPr>
-      <p:sp>
-        <p:nvSpPr>
-          <p:cNvPr id="5" name="Title 4">
-            <a:extLst>
-              <a:ext uri="{FF2B5EF4-FFF2-40B4-BE49-F238E27FC236}">
-                <a16:creationId xmlns:a16="http://schemas.microsoft.com/office/drawing/2014/main" id="{98F66557-E426-2E4D-B4E0-0F6385CB63C5}"/>
-              </a:ext>
-            </a:extLst>
-          </p:cNvPr>
-          <p:cNvSpPr>
-            <a:spLocks noGrp="1"/>
-          </p:cNvSpPr>
-          <p:nvPr>
-            <p:ph type="title"/>
-          </p:nvPr>
-        </p:nvSpPr>
-        <p:spPr>
-          <a:xfrm>
-            <a:off x="677334" y="626534"/>
-            <a:ext cx="8596668" cy="1320800"/>
-          </a:xfrm>
-        </p:spPr>
-        <p:txBody>
-          <a:bodyPr/>
-          <a:lstStyle/>
-          <a:p>
-            <a:r>
-              <a:rPr lang="en-US" dirty="0"/>
-              <a:t>Alembic .</a:t>
-            </a:r>
-            <a:r>
-              <a:rPr lang="en-US" dirty="0" err="1"/>
-              <a:t>ini</a:t>
-            </a:r>
-            <a:r>
-              <a:rPr lang="en-US" dirty="0"/>
-              <a:t> file</a:t>
-            </a:r>
-          </a:p>
-        </p:txBody>
-      </p:sp>
-      <p:pic>
-        <p:nvPicPr>
-          <p:cNvPr id="3" name="Picture 2">
-            <a:extLst>
-              <a:ext uri="{FF2B5EF4-FFF2-40B4-BE49-F238E27FC236}">
-                <a16:creationId xmlns:a16="http://schemas.microsoft.com/office/drawing/2014/main" id="{07EB9FB5-DC77-EF4C-D140-BAFDDCB06561}"/>
-              </a:ext>
-            </a:extLst>
-          </p:cNvPr>
-          <p:cNvPicPr>
-            <a:picLocks noChangeAspect="1"/>
-          </p:cNvPicPr>
-          <p:nvPr/>
-        </p:nvPicPr>
-        <p:blipFill>
-          <a:blip r:embed="rId2"/>
-          <a:stretch>
-            <a:fillRect/>
-          </a:stretch>
-        </p:blipFill>
-        <p:spPr>
-          <a:xfrm>
-            <a:off x="2395538" y="1971578"/>
-            <a:ext cx="5021262" cy="4038982"/>
-          </a:xfrm>
-          <a:prstGeom prst="rect">
-            <a:avLst/>
-          </a:prstGeom>
-          <a:ln>
-            <a:noFill/>
-          </a:ln>
-          <a:effectLst>
-            <a:outerShdw blurRad="292100" dist="139700" dir="2700000" algn="tl" rotWithShape="0">
-              <a:srgbClr val="333333">
-                <a:alpha val="65000"/>
-              </a:srgbClr>
-            </a:outerShdw>
-          </a:effectLst>
-        </p:spPr>
-      </p:pic>
-    </p:spTree>
-    <p:extLst>
-      <p:ext uri="{BB962C8B-B14F-4D97-AF65-F5344CB8AC3E}">
-        <p14:creationId xmlns:p14="http://schemas.microsoft.com/office/powerpoint/2010/main" val="1123991868"/>
-      </p:ext>
-    </p:extLst>
-  </p:cSld>
-  <p:clrMapOvr>
-    <a:masterClrMapping/>
-  </p:clrMapOvr>
-</p:sld>
-</file>
-
-<file path=ppt/slides/slide2.xml><?xml version="1.0" encoding="utf-8"?>
-<p:sld xmlns:a="http://schemas.openxmlformats.org/drawingml/2006/main" xmlns:r="http://schemas.openxmlformats.org/officeDocument/2006/relationships" xmlns:p="http://schemas.openxmlformats.org/presentationml/2006/main">
-  <p:cSld>
-    <p:bg>
-      <p:bgPr>
-        <a:solidFill>
-          <a:schemeClr val="bg1"/>
-        </a:solidFill>
-        <a:effectLst/>
-      </p:bgPr>
-    </p:bg>
-    <p:spTree>
-      <p:nvGrpSpPr>
-        <p:cNvPr id="1" name=""/>
-        <p:cNvGrpSpPr/>
-        <p:nvPr/>
-      </p:nvGrpSpPr>
-      <p:grpSpPr>
-        <a:xfrm>
-          <a:off x="0" y="0"/>
-          <a:ext cx="0" cy="0"/>
-          <a:chOff x="0" y="0"/>
-          <a:chExt cx="0" cy="0"/>
-        </a:xfrm>
-      </p:grpSpPr>
-      <p:sp>
-        <p:nvSpPr>
-          <p:cNvPr id="2" name="Title 1">
-            <a:extLst>
-              <a:ext uri="{FF2B5EF4-FFF2-40B4-BE49-F238E27FC236}">
-                <a16:creationId xmlns:a16="http://schemas.microsoft.com/office/drawing/2014/main" id="{240923C3-415A-F0B6-A517-97F56DD090AD}"/>
-              </a:ext>
-            </a:extLst>
-          </p:cNvPr>
-          <p:cNvSpPr>
-            <a:spLocks noGrp="1"/>
-          </p:cNvSpPr>
-          <p:nvPr>
-            <p:ph type="title"/>
-          </p:nvPr>
-        </p:nvSpPr>
-        <p:spPr>
-          <a:xfrm>
-            <a:off x="677334" y="609600"/>
-            <a:ext cx="8596668" cy="1320800"/>
-          </a:xfrm>
-        </p:spPr>
-        <p:txBody>
-          <a:bodyPr anchor="t">
-            <a:normAutofit/>
-          </a:bodyPr>
-          <a:lstStyle/>
-          <a:p>
-            <a:r>
-              <a:rPr lang="en-US" dirty="0"/>
-              <a:t>Multiple File Structure in </a:t>
-            </a:r>
-            <a:r>
-              <a:rPr lang="en-US" dirty="0" err="1"/>
-              <a:t>FastAPI</a:t>
-            </a:r>
-            <a:endParaRPr lang="en-US" dirty="0"/>
-          </a:p>
-        </p:txBody>
-      </p:sp>
-      <p:sp>
-        <p:nvSpPr>
-          <p:cNvPr id="3" name="Content Placeholder 2">
-            <a:extLst>
-              <a:ext uri="{FF2B5EF4-FFF2-40B4-BE49-F238E27FC236}">
-                <a16:creationId xmlns:a16="http://schemas.microsoft.com/office/drawing/2014/main" id="{D48B097D-4123-D929-5E3D-E8701BAB0F2D}"/>
-              </a:ext>
-            </a:extLst>
-          </p:cNvPr>
-          <p:cNvSpPr>
-            <a:spLocks noGrp="1"/>
-          </p:cNvSpPr>
-          <p:nvPr>
-            <p:ph idx="1"/>
-          </p:nvPr>
-        </p:nvSpPr>
-        <p:spPr>
-          <a:xfrm>
-            <a:off x="677334" y="2160590"/>
-            <a:ext cx="5220430" cy="3701270"/>
-          </a:xfrm>
-        </p:spPr>
-        <p:txBody>
-          <a:bodyPr>
-            <a:normAutofit/>
-          </a:bodyPr>
-          <a:lstStyle/>
-          <a:p>
-            <a:r>
-              <a:rPr lang="en-US" dirty="0"/>
-              <a:t>If you are building an application or a web API, it's rarely the case that you can put everything in a single file.</a:t>
-            </a:r>
-          </a:p>
-          <a:p>
-            <a:r>
-              <a:rPr lang="en-US" b="1" dirty="0" err="1"/>
-              <a:t>FastAPI</a:t>
-            </a:r>
-            <a:r>
-              <a:rPr lang="en-US" dirty="0"/>
-              <a:t> provides a convenience tool to structure your application while keeping all the flexibility</a:t>
-            </a:r>
-          </a:p>
-          <a:p>
-            <a:pPr>
-              <a:buFont typeface="Arial" panose="020B0604020202020204" pitchFamily="34" charset="0"/>
-              <a:buChar char="•"/>
-            </a:pPr>
-            <a:endParaRPr lang="en-US" dirty="0"/>
-          </a:p>
-        </p:txBody>
-      </p:sp>
-      <p:pic>
-        <p:nvPicPr>
-          <p:cNvPr id="5" name="Picture 4">
-            <a:extLst>
-              <a:ext uri="{FF2B5EF4-FFF2-40B4-BE49-F238E27FC236}">
-                <a16:creationId xmlns:a16="http://schemas.microsoft.com/office/drawing/2014/main" id="{C5FD7A17-61CA-EA97-23FB-8179BBD61F49}"/>
-              </a:ext>
-            </a:extLst>
-          </p:cNvPr>
-          <p:cNvPicPr>
-            <a:picLocks noChangeAspect="1"/>
-          </p:cNvPicPr>
-          <p:nvPr/>
-        </p:nvPicPr>
-        <p:blipFill>
-          <a:blip r:embed="rId2"/>
-          <a:stretch>
-            <a:fillRect/>
-          </a:stretch>
-        </p:blipFill>
-        <p:spPr>
-          <a:xfrm>
-            <a:off x="6087417" y="2159000"/>
-            <a:ext cx="3145536" cy="2796032"/>
-          </a:xfrm>
-          <a:prstGeom prst="rect">
-            <a:avLst/>
-          </a:prstGeom>
-        </p:spPr>
-      </p:pic>
-    </p:spTree>
-    <p:extLst>
-      <p:ext uri="{BB962C8B-B14F-4D97-AF65-F5344CB8AC3E}">
-        <p14:creationId xmlns:p14="http://schemas.microsoft.com/office/powerpoint/2010/main" val="3657767992"/>
-      </p:ext>
-    </p:extLst>
-  </p:cSld>
-  <p:clrMapOvr>
-    <a:masterClrMapping/>
-  </p:clrMapOvr>
-</p:sld>
-</file>
-
-<file path=ppt/slides/slide3.xml><?xml version="1.0" encoding="utf-8"?>
-<p:sld xmlns:a="http://schemas.openxmlformats.org/drawingml/2006/main" xmlns:r="http://schemas.openxmlformats.org/officeDocument/2006/relationships" xmlns:p="http://schemas.openxmlformats.org/presentationml/2006/main">
-  <p:cSld>
-    <p:spTree>
-      <p:nvGrpSpPr>
-        <p:cNvPr id="1" name=""/>
-        <p:cNvGrpSpPr/>
-        <p:nvPr/>
-      </p:nvGrpSpPr>
-      <p:grpSpPr>
-        <a:xfrm>
-          <a:off x="0" y="0"/>
-          <a:ext cx="0" cy="0"/>
-          <a:chOff x="0" y="0"/>
-          <a:chExt cx="0" cy="0"/>
-        </a:xfrm>
-      </p:grpSpPr>
-      <p:sp>
-        <p:nvSpPr>
-          <p:cNvPr id="2" name="Title 1">
-            <a:extLst>
-              <a:ext uri="{FF2B5EF4-FFF2-40B4-BE49-F238E27FC236}">
-                <a16:creationId xmlns:a16="http://schemas.microsoft.com/office/drawing/2014/main" id="{5221C501-E6CD-E1C8-C8CD-E4458BC73B51}"/>
-              </a:ext>
-            </a:extLst>
-          </p:cNvPr>
-          <p:cNvSpPr>
-            <a:spLocks noGrp="1"/>
-          </p:cNvSpPr>
-          <p:nvPr>
-            <p:ph type="title"/>
-          </p:nvPr>
-        </p:nvSpPr>
-        <p:spPr/>
-        <p:txBody>
-          <a:bodyPr/>
-          <a:lstStyle/>
-          <a:p>
-            <a:r>
-              <a:rPr lang="en-US" dirty="0"/>
-              <a:t>Multiple File Structure in </a:t>
-            </a:r>
-            <a:r>
-              <a:rPr lang="en-US" dirty="0" err="1"/>
-              <a:t>FastAPI</a:t>
-            </a:r>
-            <a:endParaRPr lang="en-US" dirty="0"/>
-          </a:p>
-        </p:txBody>
-      </p:sp>
-      <p:pic>
-        <p:nvPicPr>
-          <p:cNvPr id="9" name="Content Placeholder 8">
-            <a:extLst>
-              <a:ext uri="{FF2B5EF4-FFF2-40B4-BE49-F238E27FC236}">
-                <a16:creationId xmlns:a16="http://schemas.microsoft.com/office/drawing/2014/main" id="{3FAB4925-0221-FE85-36BD-C3D55232F314}"/>
-              </a:ext>
-            </a:extLst>
-          </p:cNvPr>
-          <p:cNvPicPr>
-            <a:picLocks noGrp="1" noChangeAspect="1"/>
-          </p:cNvPicPr>
-          <p:nvPr>
-            <p:ph idx="1"/>
-          </p:nvPr>
-        </p:nvPicPr>
-        <p:blipFill>
-          <a:blip r:embed="rId2"/>
-          <a:stretch>
-            <a:fillRect/>
-          </a:stretch>
-        </p:blipFill>
-        <p:spPr>
-          <a:xfrm>
-            <a:off x="1438010" y="1523500"/>
-            <a:ext cx="9941189" cy="4724900"/>
-          </a:xfrm>
-          <a:prstGeom prst="rect">
-            <a:avLst/>
-          </a:prstGeom>
-        </p:spPr>
-      </p:pic>
-    </p:spTree>
-    <p:extLst>
-      <p:ext uri="{BB962C8B-B14F-4D97-AF65-F5344CB8AC3E}">
-        <p14:creationId xmlns:p14="http://schemas.microsoft.com/office/powerpoint/2010/main" val="2829418437"/>
-      </p:ext>
-    </p:extLst>
-  </p:cSld>
-  <p:clrMapOvr>
-    <a:masterClrMapping/>
-  </p:clrMapOvr>
-</p:sld>
-</file>
-
-<file path=ppt/slides/slide4.xml><?xml version="1.0" encoding="utf-8"?>
-<p:sld xmlns:a="http://schemas.openxmlformats.org/drawingml/2006/main" xmlns:r="http://schemas.openxmlformats.org/officeDocument/2006/relationships" xmlns:p="http://schemas.openxmlformats.org/presentationml/2006/main">
-  <p:cSld>
-    <p:spTree>
-      <p:nvGrpSpPr>
-        <p:cNvPr id="1" name=""/>
-        <p:cNvGrpSpPr/>
-        <p:nvPr/>
-      </p:nvGrpSpPr>
-      <p:grpSpPr>
-        <a:xfrm>
-          <a:off x="0" y="0"/>
-          <a:ext cx="0" cy="0"/>
-          <a:chOff x="0" y="0"/>
-          <a:chExt cx="0" cy="0"/>
-        </a:xfrm>
-      </p:grpSpPr>
-      <p:sp>
-        <p:nvSpPr>
-          <p:cNvPr id="2" name="Title 1">
-            <a:extLst>
-              <a:ext uri="{FF2B5EF4-FFF2-40B4-BE49-F238E27FC236}">
-                <a16:creationId xmlns:a16="http://schemas.microsoft.com/office/drawing/2014/main" id="{00A8EE44-E403-C966-20DF-5E2705415EAA}"/>
-              </a:ext>
-            </a:extLst>
-          </p:cNvPr>
-          <p:cNvSpPr>
-            <a:spLocks noGrp="1"/>
-          </p:cNvSpPr>
-          <p:nvPr>
-            <p:ph type="title"/>
-          </p:nvPr>
-        </p:nvSpPr>
-        <p:spPr/>
-        <p:txBody>
-          <a:bodyPr/>
-          <a:lstStyle/>
-          <a:p>
-            <a:r>
-              <a:rPr lang="en-US" dirty="0" err="1"/>
-              <a:t>APIRouter</a:t>
-            </a:r>
-            <a:r>
-              <a:rPr lang="en-US" dirty="0"/>
-              <a:t> </a:t>
-            </a:r>
-          </a:p>
-        </p:txBody>
-      </p:sp>
-      <p:sp>
-        <p:nvSpPr>
-          <p:cNvPr id="3" name="Content Placeholder 2">
-            <a:extLst>
-              <a:ext uri="{FF2B5EF4-FFF2-40B4-BE49-F238E27FC236}">
-                <a16:creationId xmlns:a16="http://schemas.microsoft.com/office/drawing/2014/main" id="{8B6634E0-4035-9177-CCF7-FE9646C3F2AB}"/>
-              </a:ext>
-            </a:extLst>
-          </p:cNvPr>
-          <p:cNvSpPr>
-            <a:spLocks noGrp="1"/>
-          </p:cNvSpPr>
-          <p:nvPr>
-            <p:ph idx="1"/>
-          </p:nvPr>
-        </p:nvSpPr>
-        <p:spPr/>
-        <p:txBody>
-          <a:bodyPr/>
-          <a:lstStyle/>
-          <a:p>
-            <a:r>
-              <a:rPr lang="en-US" dirty="0"/>
-              <a:t>Let's say the file dedicated to handling just users is the submodule at /app/routers/users.py.</a:t>
-            </a:r>
-          </a:p>
-          <a:p>
-            <a:r>
-              <a:rPr lang="en-US" dirty="0"/>
-              <a:t>You want to have the </a:t>
-            </a:r>
-            <a:r>
-              <a:rPr lang="en-US" i="1" dirty="0"/>
-              <a:t>path operations</a:t>
-            </a:r>
-            <a:r>
-              <a:rPr lang="en-US" dirty="0"/>
-              <a:t> related to your users separated from the rest of the code, to keep it organized.</a:t>
-            </a:r>
-          </a:p>
-          <a:p>
-            <a:r>
-              <a:rPr lang="en-US" dirty="0"/>
-              <a:t>But it's still part of the same </a:t>
-            </a:r>
-            <a:r>
-              <a:rPr lang="en-US" b="1" dirty="0" err="1"/>
-              <a:t>FastAPI</a:t>
-            </a:r>
-            <a:r>
-              <a:rPr lang="en-US" dirty="0"/>
-              <a:t> application/web API (it's part of the same "Python Package").</a:t>
-            </a:r>
-          </a:p>
-          <a:p>
-            <a:r>
-              <a:rPr lang="en-US" dirty="0"/>
-              <a:t>You can create the </a:t>
-            </a:r>
-            <a:r>
-              <a:rPr lang="en-US" i="1" dirty="0"/>
-              <a:t>path operations</a:t>
-            </a:r>
-            <a:r>
-              <a:rPr lang="en-US" dirty="0"/>
-              <a:t> for that module using </a:t>
-            </a:r>
-            <a:r>
-              <a:rPr lang="en-US" dirty="0" err="1"/>
-              <a:t>APIRouter</a:t>
-            </a:r>
-            <a:r>
-              <a:rPr lang="en-US" dirty="0"/>
-              <a:t>.</a:t>
-            </a:r>
-          </a:p>
-        </p:txBody>
-      </p:sp>
-    </p:spTree>
-    <p:extLst>
-      <p:ext uri="{BB962C8B-B14F-4D97-AF65-F5344CB8AC3E}">
-        <p14:creationId xmlns:p14="http://schemas.microsoft.com/office/powerpoint/2010/main" val="2929046208"/>
-      </p:ext>
-    </p:extLst>
-  </p:cSld>
-  <p:clrMapOvr>
-    <a:masterClrMapping/>
-  </p:clrMapOvr>
-</p:sld>
-</file>
-
-<file path=ppt/slides/slide5.xml><?xml version="1.0" encoding="utf-8"?>
-<p:sld xmlns:a="http://schemas.openxmlformats.org/drawingml/2006/main" xmlns:r="http://schemas.openxmlformats.org/officeDocument/2006/relationships" xmlns:p="http://schemas.openxmlformats.org/presentationml/2006/main">
-  <p:cSld>
-    <p:spTree>
-      <p:nvGrpSpPr>
-        <p:cNvPr id="1" name=""/>
-        <p:cNvGrpSpPr/>
-        <p:nvPr/>
-      </p:nvGrpSpPr>
-      <p:grpSpPr>
-        <a:xfrm>
-          <a:off x="0" y="0"/>
-          <a:ext cx="0" cy="0"/>
-          <a:chOff x="0" y="0"/>
-          <a:chExt cx="0" cy="0"/>
-        </a:xfrm>
-      </p:grpSpPr>
-      <p:sp>
-        <p:nvSpPr>
-          <p:cNvPr id="2" name="Title 1">
-            <a:extLst>
-              <a:ext uri="{FF2B5EF4-FFF2-40B4-BE49-F238E27FC236}">
-                <a16:creationId xmlns:a16="http://schemas.microsoft.com/office/drawing/2014/main" id="{9F0DB5F6-59DF-B17B-B930-0A3BF94DB025}"/>
-              </a:ext>
-            </a:extLst>
-          </p:cNvPr>
-          <p:cNvSpPr>
-            <a:spLocks noGrp="1"/>
-          </p:cNvSpPr>
-          <p:nvPr>
-            <p:ph type="title"/>
-          </p:nvPr>
-        </p:nvSpPr>
-        <p:spPr/>
-        <p:txBody>
-          <a:bodyPr/>
-          <a:lstStyle/>
-          <a:p>
-            <a:r>
-              <a:rPr lang="en-US" dirty="0"/>
-              <a:t>Dependencies in </a:t>
-            </a:r>
-            <a:r>
-              <a:rPr lang="en-US" dirty="0" err="1"/>
-              <a:t>FastAPI</a:t>
-            </a:r>
-            <a:endParaRPr lang="en-US" dirty="0"/>
-          </a:p>
-        </p:txBody>
-      </p:sp>
-      <p:sp>
-        <p:nvSpPr>
-          <p:cNvPr id="3" name="Content Placeholder 2">
-            <a:extLst>
-              <a:ext uri="{FF2B5EF4-FFF2-40B4-BE49-F238E27FC236}">
-                <a16:creationId xmlns:a16="http://schemas.microsoft.com/office/drawing/2014/main" id="{C6452ACF-E8B9-1A5E-474C-676D0AFB63D7}"/>
-              </a:ext>
-            </a:extLst>
-          </p:cNvPr>
-          <p:cNvSpPr>
-            <a:spLocks noGrp="1"/>
-          </p:cNvSpPr>
-          <p:nvPr>
-            <p:ph idx="1"/>
-          </p:nvPr>
-        </p:nvSpPr>
-        <p:spPr>
-          <a:xfrm>
-            <a:off x="677333" y="2160589"/>
-            <a:ext cx="9516533" cy="3880773"/>
-          </a:xfrm>
-        </p:spPr>
-        <p:txBody>
-          <a:bodyPr/>
-          <a:lstStyle/>
-          <a:p>
-            <a:r>
-              <a:rPr lang="en-US" dirty="0"/>
-              <a:t>In </a:t>
-            </a:r>
-            <a:r>
-              <a:rPr lang="en-US" dirty="0" err="1">
-                <a:hlinkClick r:id="rId2"/>
-              </a:rPr>
-              <a:t>FastAPI</a:t>
-            </a:r>
-            <a:r>
-              <a:rPr lang="en-US" dirty="0"/>
-              <a:t>, you can apply dependencies to all routes within an </a:t>
-            </a:r>
-            <a:r>
-              <a:rPr lang="en-US" dirty="0" err="1"/>
-              <a:t>APIRouter</a:t>
-            </a:r>
-            <a:r>
-              <a:rPr lang="en-US" dirty="0"/>
-              <a:t> using the dependencies parameter of the </a:t>
-            </a:r>
-            <a:r>
-              <a:rPr lang="en-US" dirty="0" err="1"/>
-              <a:t>APIRouter</a:t>
-            </a:r>
-            <a:r>
-              <a:rPr lang="en-US" dirty="0"/>
-              <a:t> class. This is an efficient way to manage shared logic such as authentication, database connections, or logging for a group of related endpoints without repeating code in each path operation function. </a:t>
-            </a:r>
-          </a:p>
-          <a:p>
-            <a:r>
-              <a:rPr lang="en-US" b="1" dirty="0"/>
-              <a:t>Define your dependency function(s)</a:t>
-            </a:r>
-            <a:r>
-              <a:rPr lang="en-US" dirty="0"/>
-              <a:t>: These are standard </a:t>
-            </a:r>
-            <a:r>
-              <a:rPr lang="en-US" dirty="0" err="1"/>
-              <a:t>FastAPI</a:t>
-            </a:r>
-            <a:r>
-              <a:rPr lang="en-US" dirty="0"/>
-              <a:t> dependencies, which can be async or def functions, or classes, that often use Depends() themselves.</a:t>
-            </a:r>
-          </a:p>
-          <a:p>
-            <a:r>
-              <a:rPr lang="en-US" b="1" dirty="0"/>
-              <a:t>Create an </a:t>
-            </a:r>
-            <a:r>
-              <a:rPr lang="en-US" b="1" dirty="0" err="1"/>
-              <a:t>APIRouter</a:t>
-            </a:r>
-            <a:r>
-              <a:rPr lang="en-US" b="1" dirty="0"/>
-              <a:t> instance</a:t>
-            </a:r>
-            <a:r>
-              <a:rPr lang="en-US" dirty="0"/>
-              <a:t> and pass your dependencies as a list to the dependencies argument.</a:t>
-            </a:r>
-          </a:p>
-          <a:p>
-            <a:r>
-              <a:rPr lang="en-US" b="1" dirty="0"/>
-              <a:t>Include the router</a:t>
-            </a:r>
-            <a:r>
-              <a:rPr lang="en-US" dirty="0"/>
-              <a:t> in your main </a:t>
-            </a:r>
-            <a:r>
-              <a:rPr lang="en-US" dirty="0" err="1"/>
-              <a:t>FastAPI</a:t>
-            </a:r>
-            <a:r>
-              <a:rPr lang="en-US" dirty="0"/>
-              <a:t> application. </a:t>
-            </a:r>
-          </a:p>
-          <a:p>
-            <a:endParaRPr lang="en-US" dirty="0"/>
-          </a:p>
-        </p:txBody>
-      </p:sp>
-    </p:spTree>
-    <p:extLst>
-      <p:ext uri="{BB962C8B-B14F-4D97-AF65-F5344CB8AC3E}">
-        <p14:creationId xmlns:p14="http://schemas.microsoft.com/office/powerpoint/2010/main" val="965100391"/>
-      </p:ext>
-    </p:extLst>
-  </p:cSld>
-  <p:clrMapOvr>
-    <a:masterClrMapping/>
-  </p:clrMapOvr>
-</p:sld>
-</file>
-
-<file path=ppt/slides/slide6.xml><?xml version="1.0" encoding="utf-8"?>
-<p:sld xmlns:a="http://schemas.openxmlformats.org/drawingml/2006/main" xmlns:r="http://schemas.openxmlformats.org/officeDocument/2006/relationships" xmlns:p="http://schemas.openxmlformats.org/presentationml/2006/main">
-  <p:cSld>
-    <p:spTree>
-      <p:nvGrpSpPr>
-        <p:cNvPr id="1" name=""/>
-        <p:cNvGrpSpPr/>
-        <p:nvPr/>
-      </p:nvGrpSpPr>
-      <p:grpSpPr>
-        <a:xfrm>
-          <a:off x="0" y="0"/>
-          <a:ext cx="0" cy="0"/>
-          <a:chOff x="0" y="0"/>
-          <a:chExt cx="0" cy="0"/>
-        </a:xfrm>
-      </p:grpSpPr>
-      <p:sp>
-        <p:nvSpPr>
-          <p:cNvPr id="2" name="Title 1">
-            <a:extLst>
-              <a:ext uri="{FF2B5EF4-FFF2-40B4-BE49-F238E27FC236}">
-                <a16:creationId xmlns:a16="http://schemas.microsoft.com/office/drawing/2014/main" id="{6CC68865-CCE6-D531-555E-B74BAF5C84CD}"/>
-              </a:ext>
-            </a:extLst>
-          </p:cNvPr>
-          <p:cNvSpPr>
-            <a:spLocks noGrp="1"/>
-          </p:cNvSpPr>
-          <p:nvPr>
-            <p:ph type="title"/>
-          </p:nvPr>
-        </p:nvSpPr>
-        <p:spPr/>
-        <p:txBody>
-          <a:bodyPr/>
-          <a:lstStyle/>
-          <a:p>
-            <a:r>
-              <a:rPr lang="en-US" dirty="0"/>
-              <a:t>Benefits of Dependencies in </a:t>
-            </a:r>
-            <a:r>
-              <a:rPr lang="en-US" dirty="0" err="1"/>
-              <a:t>APIRouter</a:t>
-            </a:r>
-            <a:endParaRPr lang="en-US" dirty="0"/>
-          </a:p>
-        </p:txBody>
-      </p:sp>
-      <p:sp>
-        <p:nvSpPr>
-          <p:cNvPr id="3" name="Content Placeholder 2">
-            <a:extLst>
-              <a:ext uri="{FF2B5EF4-FFF2-40B4-BE49-F238E27FC236}">
-                <a16:creationId xmlns:a16="http://schemas.microsoft.com/office/drawing/2014/main" id="{39124902-FD7F-1574-3926-D7E26594043B}"/>
-              </a:ext>
-            </a:extLst>
-          </p:cNvPr>
-          <p:cNvSpPr>
-            <a:spLocks noGrp="1"/>
-          </p:cNvSpPr>
-          <p:nvPr>
-            <p:ph idx="1"/>
-          </p:nvPr>
-        </p:nvSpPr>
-        <p:spPr>
-          <a:xfrm>
-            <a:off x="677333" y="2160589"/>
-            <a:ext cx="10176933" cy="3880773"/>
-          </a:xfrm>
-        </p:spPr>
-        <p:txBody>
-          <a:bodyPr>
-            <a:normAutofit fontScale="92500" lnSpcReduction="20000"/>
-          </a:bodyPr>
-          <a:lstStyle/>
-          <a:p>
-            <a:r>
-              <a:rPr lang="en-US" b="1" dirty="0"/>
-              <a:t>Execution Order</a:t>
-            </a:r>
-            <a:r>
-              <a:rPr lang="en-US" dirty="0"/>
-              <a:t>: Router-level dependencies are executed before dependencies defined directly in the path operation function's decorator or function parameters.</a:t>
-            </a:r>
-          </a:p>
-          <a:p>
-            <a:r>
-              <a:rPr lang="en-US" b="1" dirty="0"/>
-              <a:t>Return Values</a:t>
-            </a:r>
-            <a:r>
-              <a:rPr lang="en-US" dirty="0"/>
-              <a:t>: By default, the return values of dependencies specified in the dependencies list of the </a:t>
-            </a:r>
-            <a:r>
-              <a:rPr lang="en-US" dirty="0" err="1"/>
-              <a:t>APIRouter</a:t>
-            </a:r>
-            <a:r>
-              <a:rPr lang="en-US" dirty="0"/>
-              <a:t> (or </a:t>
-            </a:r>
-            <a:r>
-              <a:rPr lang="en-US" dirty="0" err="1"/>
-              <a:t>app.include_router</a:t>
-            </a:r>
-            <a:r>
-              <a:rPr lang="en-US" dirty="0"/>
-              <a:t>()) are </a:t>
-            </a:r>
-            <a:r>
-              <a:rPr lang="en-US" b="1" dirty="0"/>
-              <a:t>not</a:t>
-            </a:r>
-            <a:r>
-              <a:rPr lang="en-US" dirty="0"/>
-              <a:t> automatically passed as parameters to the path operation function. They are primarily for side effects, such as authentication checks, logging, or ensuring a resource is available.</a:t>
-            </a:r>
-          </a:p>
-          <a:p>
-            <a:r>
-              <a:rPr lang="en-US" b="1" dirty="0"/>
-              <a:t>Accessing Return Values</a:t>
-            </a:r>
-            <a:r>
-              <a:rPr lang="en-US" dirty="0"/>
-              <a:t>: If you need to access the return value of a router-level dependency within your path function (e.g., getting the </a:t>
-            </a:r>
-            <a:r>
-              <a:rPr lang="en-US" dirty="0" err="1"/>
-              <a:t>current_user</a:t>
-            </a:r>
-            <a:r>
-              <a:rPr lang="en-US" dirty="0"/>
-              <a:t> object after authentication), you must explicitly declare that same dependency in the path operation function's parameters. </a:t>
-            </a:r>
-            <a:r>
-              <a:rPr lang="en-US" dirty="0" err="1"/>
-              <a:t>FastAPI</a:t>
-            </a:r>
-            <a:r>
-              <a:rPr lang="en-US" dirty="0"/>
-              <a:t> is smart enough to call the dependency only once per request and cache the result.</a:t>
-            </a:r>
-          </a:p>
-          <a:p>
-            <a:r>
-              <a:rPr lang="en-US" b="1" dirty="0"/>
-              <a:t>Overriding</a:t>
-            </a:r>
-            <a:r>
-              <a:rPr lang="en-US" dirty="0"/>
-              <a:t>: Dependencies can be overridden for testing purposes using the </a:t>
-            </a:r>
-            <a:r>
-              <a:rPr lang="en-US" dirty="0" err="1"/>
-              <a:t>app.dependency_overrides</a:t>
-            </a:r>
-            <a:r>
-              <a:rPr lang="en-US" dirty="0"/>
-              <a:t> attribute, which simplifies unit testing of individual routes.</a:t>
-            </a:r>
-          </a:p>
-          <a:p>
-            <a:r>
-              <a:rPr lang="en-US" b="1" dirty="0"/>
-              <a:t>Dependencies with yield</a:t>
-            </a:r>
-            <a:r>
-              <a:rPr lang="en-US" dirty="0"/>
-              <a:t>: The </a:t>
-            </a:r>
-            <a:r>
-              <a:rPr lang="en-US" dirty="0" err="1"/>
-              <a:t>APIRouter</a:t>
-            </a:r>
-            <a:r>
-              <a:rPr lang="en-US" dirty="0"/>
-              <a:t> supports dependencies with yield, which are useful for resource management like database sessions, ensuring cleanup code runs after the request is finished. </a:t>
-            </a:r>
-          </a:p>
-          <a:p>
-            <a:endParaRPr lang="en-US" dirty="0"/>
-          </a:p>
-          <a:p>
-            <a:endParaRPr lang="en-US" dirty="0"/>
-          </a:p>
-        </p:txBody>
-      </p:sp>
-    </p:spTree>
-    <p:extLst>
-      <p:ext uri="{BB962C8B-B14F-4D97-AF65-F5344CB8AC3E}">
-        <p14:creationId xmlns:p14="http://schemas.microsoft.com/office/powerpoint/2010/main" val="865756344"/>
-      </p:ext>
-    </p:extLst>
-  </p:cSld>
-  <p:clrMapOvr>
-    <a:masterClrMapping/>
-  </p:clrMapOvr>
-</p:sld>
-</file>
-
-<file path=ppt/slides/slide7.xml><?xml version="1.0" encoding="utf-8"?>
-<p:sld xmlns:a="http://schemas.openxmlformats.org/drawingml/2006/main" xmlns:r="http://schemas.openxmlformats.org/officeDocument/2006/relationships" xmlns:p="http://schemas.openxmlformats.org/presentationml/2006/main" show="0">
-  <p:cSld>
-    <p:spTree>
-      <p:nvGrpSpPr>
-        <p:cNvPr id="1" name=""/>
-        <p:cNvGrpSpPr/>
-        <p:nvPr/>
-      </p:nvGrpSpPr>
-      <p:grpSpPr>
-        <a:xfrm>
-          <a:off x="0" y="0"/>
-          <a:ext cx="0" cy="0"/>
-          <a:chOff x="0" y="0"/>
-          <a:chExt cx="0" cy="0"/>
-        </a:xfrm>
-      </p:grpSpPr>
-      <p:sp>
-        <p:nvSpPr>
-          <p:cNvPr id="4" name="Title 3">
-            <a:extLst>
-              <a:ext uri="{FF2B5EF4-FFF2-40B4-BE49-F238E27FC236}">
-                <a16:creationId xmlns:a16="http://schemas.microsoft.com/office/drawing/2014/main" id="{C8148847-CC2F-95E7-48C0-CAC990A549A2}"/>
-              </a:ext>
-            </a:extLst>
-          </p:cNvPr>
-          <p:cNvSpPr>
-            <a:spLocks noGrp="1"/>
-          </p:cNvSpPr>
-          <p:nvPr>
-            <p:ph type="title"/>
-          </p:nvPr>
-        </p:nvSpPr>
-        <p:spPr/>
-        <p:txBody>
-          <a:bodyPr/>
-          <a:lstStyle/>
-          <a:p>
-            <a:r>
-              <a:rPr lang="en-US" dirty="0"/>
-              <a:t>Overview of Alembic</a:t>
-            </a:r>
-          </a:p>
-        </p:txBody>
-      </p:sp>
-      <p:sp>
-        <p:nvSpPr>
-          <p:cNvPr id="5" name="Content Placeholder 4">
-            <a:extLst>
-              <a:ext uri="{FF2B5EF4-FFF2-40B4-BE49-F238E27FC236}">
-                <a16:creationId xmlns:a16="http://schemas.microsoft.com/office/drawing/2014/main" id="{0CA17889-A9F4-5B15-8846-E72483C5F312}"/>
-              </a:ext>
-            </a:extLst>
-          </p:cNvPr>
-          <p:cNvSpPr>
-            <a:spLocks noGrp="1"/>
-          </p:cNvSpPr>
-          <p:nvPr>
-            <p:ph sz="half" idx="1"/>
-          </p:nvPr>
-        </p:nvSpPr>
-        <p:spPr>
-          <a:xfrm>
-            <a:off x="677334" y="2160589"/>
-            <a:ext cx="8771466" cy="3880772"/>
-          </a:xfrm>
-        </p:spPr>
-        <p:txBody>
-          <a:bodyPr/>
-          <a:lstStyle/>
-          <a:p>
-            <a:r>
-              <a:rPr lang="en-US" dirty="0"/>
-              <a:t>Alembic provides for the creation, management, and invocation of </a:t>
-            </a:r>
-            <a:r>
-              <a:rPr lang="en-US" i="1" dirty="0"/>
-              <a:t>change management</a:t>
-            </a:r>
-            <a:r>
-              <a:rPr lang="en-US" dirty="0"/>
-              <a:t> scripts for a relational database, using SQLAlchemy as the underlying engine.</a:t>
-            </a:r>
-          </a:p>
-          <a:p>
-            <a:pPr marL="0" indent="0">
-              <a:buNone/>
-            </a:pPr>
-            <a:endParaRPr lang="en-US" dirty="0"/>
-          </a:p>
-          <a:p>
-            <a:r>
-              <a:rPr lang="en-US" dirty="0"/>
-              <a:t>Usage of Alembic starts with creation of the </a:t>
-            </a:r>
-            <a:r>
-              <a:rPr lang="en-US" i="1" dirty="0"/>
-              <a:t>Migration Environment</a:t>
-            </a:r>
-            <a:r>
-              <a:rPr lang="en-US" dirty="0"/>
-              <a:t>. This is a directory of scripts that is specific to a particular application. </a:t>
-            </a:r>
-          </a:p>
-          <a:p>
-            <a:endParaRPr lang="en-US" dirty="0"/>
-          </a:p>
-          <a:p>
-            <a:r>
-              <a:rPr lang="en-US" dirty="0"/>
-              <a:t>The migration environment is created just once and is then maintained along with the application’s source code itself. The environment is created using the </a:t>
-            </a:r>
-            <a:r>
-              <a:rPr lang="en-US" b="1" dirty="0" err="1"/>
-              <a:t>init</a:t>
-            </a:r>
-            <a:r>
-              <a:rPr lang="en-US" b="1" dirty="0"/>
-              <a:t> </a:t>
-            </a:r>
-            <a:r>
-              <a:rPr lang="en-US" dirty="0"/>
-              <a:t>command of Alembic and is then customizable to suit the specific needs of the application.</a:t>
-            </a:r>
-          </a:p>
-        </p:txBody>
-      </p:sp>
-    </p:spTree>
-    <p:extLst>
-      <p:ext uri="{BB962C8B-B14F-4D97-AF65-F5344CB8AC3E}">
-        <p14:creationId xmlns:p14="http://schemas.microsoft.com/office/powerpoint/2010/main" val="1893952962"/>
-      </p:ext>
-    </p:extLst>
-  </p:cSld>
-  <p:clrMapOvr>
-    <a:masterClrMapping/>
-  </p:clrMapOvr>
-</p:sld>
-</file>
-
-<file path=ppt/slides/slide8.xml><?xml version="1.0" encoding="utf-8"?>
-<p:sld xmlns:a="http://schemas.openxmlformats.org/drawingml/2006/main" xmlns:r="http://schemas.openxmlformats.org/officeDocument/2006/relationships" xmlns:p="http://schemas.openxmlformats.org/presentationml/2006/main" show="0">
-  <p:cSld>
-    <p:spTree>
-      <p:nvGrpSpPr>
-        <p:cNvPr id="1" name=""/>
-        <p:cNvGrpSpPr/>
-        <p:nvPr/>
-      </p:nvGrpSpPr>
-      <p:grpSpPr>
-        <a:xfrm>
-          <a:off x="0" y="0"/>
-          <a:ext cx="0" cy="0"/>
-          <a:chOff x="0" y="0"/>
-          <a:chExt cx="0" cy="0"/>
-        </a:xfrm>
-      </p:grpSpPr>
-      <p:sp>
-        <p:nvSpPr>
-          <p:cNvPr id="2" name="Title 1">
-            <a:extLst>
-              <a:ext uri="{FF2B5EF4-FFF2-40B4-BE49-F238E27FC236}">
-                <a16:creationId xmlns:a16="http://schemas.microsoft.com/office/drawing/2014/main" id="{7762FD47-CAE6-C096-D8D3-EB919B13F2CB}"/>
-              </a:ext>
-            </a:extLst>
-          </p:cNvPr>
-          <p:cNvSpPr>
-            <a:spLocks noGrp="1"/>
-          </p:cNvSpPr>
-          <p:nvPr>
-            <p:ph type="title"/>
-          </p:nvPr>
-        </p:nvSpPr>
-        <p:spPr/>
-        <p:txBody>
-          <a:bodyPr/>
-          <a:lstStyle/>
-          <a:p>
-            <a:r>
-              <a:rPr lang="en-US" dirty="0"/>
-              <a:t>Alembic Benefits</a:t>
-            </a:r>
-          </a:p>
-        </p:txBody>
-      </p:sp>
-      <p:sp>
-        <p:nvSpPr>
-          <p:cNvPr id="3" name="Content Placeholder 2">
-            <a:extLst>
-              <a:ext uri="{FF2B5EF4-FFF2-40B4-BE49-F238E27FC236}">
-                <a16:creationId xmlns:a16="http://schemas.microsoft.com/office/drawing/2014/main" id="{A1F87560-C935-8368-2D2D-9782F3FA8385}"/>
-              </a:ext>
-            </a:extLst>
-          </p:cNvPr>
-          <p:cNvSpPr>
-            <a:spLocks noGrp="1"/>
-          </p:cNvSpPr>
-          <p:nvPr>
-            <p:ph sz="half" idx="1"/>
-          </p:nvPr>
-        </p:nvSpPr>
-        <p:spPr>
-          <a:xfrm>
-            <a:off x="677334" y="1524000"/>
-            <a:ext cx="10143066" cy="4517361"/>
-          </a:xfrm>
-        </p:spPr>
-        <p:txBody>
-          <a:bodyPr>
-            <a:normAutofit fontScale="70000" lnSpcReduction="20000"/>
-          </a:bodyPr>
-          <a:lstStyle/>
-          <a:p>
-            <a:r>
-              <a:rPr lang="en-US" sz="2100" b="1" dirty="0"/>
-              <a:t>Version Control for Your Database</a:t>
-            </a:r>
-            <a:r>
-              <a:rPr lang="en-US" sz="2100" dirty="0"/>
-              <a:t>: Alembic acts like "Git for your database schema," allowing you to track every change (e.g., adding a table, renaming a column) as an explicit, versioned step in a migration script. This provides a clear, auditable history of modifications.</a:t>
-            </a:r>
-          </a:p>
-          <a:p>
-            <a:r>
-              <a:rPr lang="en-US" sz="2100" b="1" dirty="0"/>
-              <a:t>Consistency Across Environments</a:t>
-            </a:r>
-            <a:r>
-              <a:rPr lang="en-US" sz="2100" dirty="0"/>
-              <a:t>: It ensures that every developer, testing environment, and the production database uses the exact same schema evolution process. This eliminates "schema drift" and prevents issues caused by manual errors during deployment.</a:t>
-            </a:r>
-          </a:p>
-          <a:p>
-            <a:r>
-              <a:rPr lang="en-US" sz="2100" b="1" dirty="0"/>
-              <a:t>Safe Upgrades and Downgrades (Rollbacks): </a:t>
-            </a:r>
-            <a:r>
-              <a:rPr lang="en-US" sz="2100" dirty="0"/>
-              <a:t>Each migration script contains instructions for both applying the changes (upgrade) and reversing them (downgrade). This provides a crucial safety net, allowing you to revert to a previous, stable state if a new release encounters problems.</a:t>
-            </a:r>
-          </a:p>
-          <a:p>
-            <a:r>
-              <a:rPr lang="en-US" sz="2100" b="1" dirty="0"/>
-              <a:t>Streamlined Collaboration: E</a:t>
-            </a:r>
-            <a:r>
-              <a:rPr lang="en-US" sz="2100" dirty="0"/>
-              <a:t>ach developer's schema changes are captured in migration files that are checked into the source code repository. Team members can easily pull the latest changes and run a single command to sync their local databases.</a:t>
-            </a:r>
-          </a:p>
-          <a:p>
-            <a:r>
-              <a:rPr lang="en-US" sz="2100" dirty="0"/>
-              <a:t>Automation and CI/CD Integration: </a:t>
-            </a:r>
-            <a:r>
-              <a:rPr lang="en-US" sz="2000" dirty="0"/>
-              <a:t>Migrations can be easily integrated into Continuous Integration/Continuous Deployment (CI/CD) pipelines, automating the process of applying database changes during deployment. This makes releases more reliable and predictable.</a:t>
-            </a:r>
-          </a:p>
-          <a:p>
-            <a:r>
-              <a:rPr lang="en-US" sz="2100" dirty="0"/>
-              <a:t>Pythonic API and SQLAlchemy Integration: Migration scripts are written in Python, allowing developers to leverage the full power and readability of Python code. It works hand-in-hand with </a:t>
-            </a:r>
-            <a:r>
-              <a:rPr lang="en-US" sz="2100" b="1" dirty="0">
-                <a:hlinkClick r:id="rId2">
-                  <a:extLst>
-                    <a:ext uri="{A12FA001-AC4F-418D-AE19-62706E023703}">
-                      <ahyp:hlinkClr xmlns:ahyp="http://schemas.microsoft.com/office/drawing/2018/hyperlinkcolor" val="tx"/>
-                    </a:ext>
-                  </a:extLst>
-                </a:hlinkClick>
-              </a:rPr>
-              <a:t>SQLAlchemy</a:t>
-            </a:r>
-            <a:r>
-              <a:rPr lang="en-US" sz="2100" dirty="0"/>
-              <a:t>, the most popular Python ORM, and can automatically generate draft migration scripts based on model definitions.</a:t>
-            </a:r>
-          </a:p>
-          <a:p>
-            <a:r>
-              <a:rPr lang="en-US" sz="2100" dirty="0"/>
-              <a:t>Database Agnostic: Alembic supports all major databases that SQLAlchemy works with, including PostgreSQL, MySQL, and SQLite, making it a versatile choice for diverse projects. </a:t>
-            </a:r>
-          </a:p>
-          <a:p>
-            <a:endParaRPr lang="en-US" dirty="0"/>
-          </a:p>
-        </p:txBody>
-      </p:sp>
-    </p:spTree>
-    <p:extLst>
-      <p:ext uri="{BB962C8B-B14F-4D97-AF65-F5344CB8AC3E}">
-        <p14:creationId xmlns:p14="http://schemas.microsoft.com/office/powerpoint/2010/main" val="459849028"/>
-      </p:ext>
-    </p:extLst>
-  </p:cSld>
-  <p:clrMapOvr>
-    <a:masterClrMapping/>
-  </p:clrMapOvr>
-</p:sld>
-</file>
-
-<file path=ppt/slides/slide9.xml><?xml version="1.0" encoding="utf-8"?>
 <p:sld xmlns:a="http://schemas.openxmlformats.org/drawingml/2006/main" xmlns:r="http://schemas.openxmlformats.org/officeDocument/2006/relationships" xmlns:p="http://schemas.openxmlformats.org/presentationml/2006/main" show="0">
   <p:cSld>
     <p:bg>
@@ -9105,6 +7909,1326 @@
   </p:cSld>
   <p:clrMapOvr>
     <a:overrideClrMapping bg1="dk1" tx1="lt1" bg2="dk2" tx2="lt2" accent1="accent1" accent2="accent2" accent3="accent3" accent4="accent4" accent5="accent5" accent6="accent6" hlink="hlink" folHlink="folHlink"/>
+  </p:clrMapOvr>
+</p:sld>
+</file>
+
+<file path=ppt/slides/slide11.xml><?xml version="1.0" encoding="utf-8"?>
+<p:sld xmlns:a="http://schemas.openxmlformats.org/drawingml/2006/main" xmlns:r="http://schemas.openxmlformats.org/officeDocument/2006/relationships" xmlns:p="http://schemas.openxmlformats.org/presentationml/2006/main">
+  <p:cSld>
+    <p:spTree>
+      <p:nvGrpSpPr>
+        <p:cNvPr id="1" name=""/>
+        <p:cNvGrpSpPr/>
+        <p:nvPr/>
+      </p:nvGrpSpPr>
+      <p:grpSpPr>
+        <a:xfrm>
+          <a:off x="0" y="0"/>
+          <a:ext cx="0" cy="0"/>
+          <a:chOff x="0" y="0"/>
+          <a:chExt cx="0" cy="0"/>
+        </a:xfrm>
+      </p:grpSpPr>
+      <p:sp>
+        <p:nvSpPr>
+          <p:cNvPr id="5" name="Title 4">
+            <a:extLst>
+              <a:ext uri="{FF2B5EF4-FFF2-40B4-BE49-F238E27FC236}">
+                <a16:creationId xmlns:a16="http://schemas.microsoft.com/office/drawing/2014/main" id="{98F66557-E426-2E4D-B4E0-0F6385CB63C5}"/>
+              </a:ext>
+            </a:extLst>
+          </p:cNvPr>
+          <p:cNvSpPr>
+            <a:spLocks noGrp="1"/>
+          </p:cNvSpPr>
+          <p:nvPr>
+            <p:ph type="title"/>
+          </p:nvPr>
+        </p:nvSpPr>
+        <p:spPr>
+          <a:xfrm>
+            <a:off x="677334" y="626534"/>
+            <a:ext cx="8596668" cy="1320800"/>
+          </a:xfrm>
+        </p:spPr>
+        <p:txBody>
+          <a:bodyPr/>
+          <a:lstStyle/>
+          <a:p>
+            <a:r>
+              <a:rPr lang="en-US" dirty="0"/>
+              <a:t>Alembic .</a:t>
+            </a:r>
+            <a:r>
+              <a:rPr lang="en-US" dirty="0" err="1"/>
+              <a:t>ini</a:t>
+            </a:r>
+            <a:r>
+              <a:rPr lang="en-US" dirty="0"/>
+              <a:t> file</a:t>
+            </a:r>
+          </a:p>
+        </p:txBody>
+      </p:sp>
+      <p:pic>
+        <p:nvPicPr>
+          <p:cNvPr id="3" name="Picture 2">
+            <a:extLst>
+              <a:ext uri="{FF2B5EF4-FFF2-40B4-BE49-F238E27FC236}">
+                <a16:creationId xmlns:a16="http://schemas.microsoft.com/office/drawing/2014/main" id="{07EB9FB5-DC77-EF4C-D140-BAFDDCB06561}"/>
+              </a:ext>
+            </a:extLst>
+          </p:cNvPr>
+          <p:cNvPicPr>
+            <a:picLocks noChangeAspect="1"/>
+          </p:cNvPicPr>
+          <p:nvPr/>
+        </p:nvPicPr>
+        <p:blipFill>
+          <a:blip r:embed="rId2"/>
+          <a:stretch>
+            <a:fillRect/>
+          </a:stretch>
+        </p:blipFill>
+        <p:spPr>
+          <a:xfrm>
+            <a:off x="2395538" y="1971578"/>
+            <a:ext cx="5021262" cy="4038982"/>
+          </a:xfrm>
+          <a:prstGeom prst="rect">
+            <a:avLst/>
+          </a:prstGeom>
+          <a:ln>
+            <a:noFill/>
+          </a:ln>
+          <a:effectLst>
+            <a:outerShdw blurRad="292100" dist="139700" dir="2700000" algn="tl" rotWithShape="0">
+              <a:srgbClr val="333333">
+                <a:alpha val="65000"/>
+              </a:srgbClr>
+            </a:outerShdw>
+          </a:effectLst>
+        </p:spPr>
+      </p:pic>
+    </p:spTree>
+    <p:extLst>
+      <p:ext uri="{BB962C8B-B14F-4D97-AF65-F5344CB8AC3E}">
+        <p14:creationId xmlns:p14="http://schemas.microsoft.com/office/powerpoint/2010/main" val="1123991868"/>
+      </p:ext>
+    </p:extLst>
+  </p:cSld>
+  <p:clrMapOvr>
+    <a:masterClrMapping/>
+  </p:clrMapOvr>
+</p:sld>
+</file>
+
+<file path=ppt/slides/slide2.xml><?xml version="1.0" encoding="utf-8"?>
+<p:sld xmlns:a="http://schemas.openxmlformats.org/drawingml/2006/main" xmlns:r="http://schemas.openxmlformats.org/officeDocument/2006/relationships" xmlns:p="http://schemas.openxmlformats.org/presentationml/2006/main">
+  <p:cSld>
+    <p:spTree>
+      <p:nvGrpSpPr>
+        <p:cNvPr id="1" name=""/>
+        <p:cNvGrpSpPr/>
+        <p:nvPr/>
+      </p:nvGrpSpPr>
+      <p:grpSpPr>
+        <a:xfrm>
+          <a:off x="0" y="0"/>
+          <a:ext cx="0" cy="0"/>
+          <a:chOff x="0" y="0"/>
+          <a:chExt cx="0" cy="0"/>
+        </a:xfrm>
+      </p:grpSpPr>
+      <p:sp>
+        <p:nvSpPr>
+          <p:cNvPr id="2" name="Title 1">
+            <a:extLst>
+              <a:ext uri="{FF2B5EF4-FFF2-40B4-BE49-F238E27FC236}">
+                <a16:creationId xmlns:a16="http://schemas.microsoft.com/office/drawing/2014/main" id="{A7B26376-8C17-B62B-03B9-EA5CCF647125}"/>
+              </a:ext>
+            </a:extLst>
+          </p:cNvPr>
+          <p:cNvSpPr>
+            <a:spLocks noGrp="1"/>
+          </p:cNvSpPr>
+          <p:nvPr>
+            <p:ph type="title"/>
+          </p:nvPr>
+        </p:nvSpPr>
+        <p:spPr/>
+        <p:txBody>
+          <a:bodyPr/>
+          <a:lstStyle/>
+          <a:p>
+            <a:r>
+              <a:rPr lang="en-US" dirty="0"/>
+              <a:t>Static Files in </a:t>
+            </a:r>
+            <a:r>
+              <a:rPr lang="en-US" dirty="0" err="1"/>
+              <a:t>FastAPI</a:t>
+            </a:r>
+            <a:endParaRPr lang="en-US" dirty="0"/>
+          </a:p>
+        </p:txBody>
+      </p:sp>
+      <p:sp>
+        <p:nvSpPr>
+          <p:cNvPr id="3" name="Content Placeholder 2">
+            <a:extLst>
+              <a:ext uri="{FF2B5EF4-FFF2-40B4-BE49-F238E27FC236}">
+                <a16:creationId xmlns:a16="http://schemas.microsoft.com/office/drawing/2014/main" id="{A532BD5C-48FB-59E3-31D7-D180CE381DCE}"/>
+              </a:ext>
+            </a:extLst>
+          </p:cNvPr>
+          <p:cNvSpPr>
+            <a:spLocks noGrp="1"/>
+          </p:cNvSpPr>
+          <p:nvPr>
+            <p:ph idx="1"/>
+          </p:nvPr>
+        </p:nvSpPr>
+        <p:spPr/>
+        <p:txBody>
+          <a:bodyPr/>
+          <a:lstStyle/>
+          <a:p>
+            <a:r>
+              <a:rPr lang="en-US" dirty="0"/>
+              <a:t>The built-in </a:t>
+            </a:r>
+            <a:r>
+              <a:rPr lang="en-US" dirty="0" err="1"/>
+              <a:t>StaticFiles</a:t>
+            </a:r>
+            <a:r>
+              <a:rPr lang="en-US" dirty="0"/>
+              <a:t> class can be used and the </a:t>
+            </a:r>
+            <a:r>
+              <a:rPr lang="en-US" dirty="0" err="1"/>
+              <a:t>app.mount</a:t>
+            </a:r>
+            <a:r>
+              <a:rPr lang="en-US" dirty="0"/>
+              <a:t>() method which allows </a:t>
+            </a:r>
+            <a:r>
+              <a:rPr lang="en-US" dirty="0" err="1"/>
+              <a:t>FastAPI</a:t>
+            </a:r>
+            <a:r>
+              <a:rPr lang="en-US" dirty="0"/>
+              <a:t> </a:t>
+            </a:r>
+            <a:r>
+              <a:rPr lang="en-US" dirty="0" err="1"/>
+              <a:t>applcications</a:t>
+            </a:r>
+            <a:r>
+              <a:rPr lang="en-US" dirty="0"/>
+              <a:t> to handle requests for a specific URL. </a:t>
+            </a:r>
+          </a:p>
+        </p:txBody>
+      </p:sp>
+    </p:spTree>
+    <p:extLst>
+      <p:ext uri="{BB962C8B-B14F-4D97-AF65-F5344CB8AC3E}">
+        <p14:creationId xmlns:p14="http://schemas.microsoft.com/office/powerpoint/2010/main" val="3458571248"/>
+      </p:ext>
+    </p:extLst>
+  </p:cSld>
+  <p:clrMapOvr>
+    <a:masterClrMapping/>
+  </p:clrMapOvr>
+</p:sld>
+</file>
+
+<file path=ppt/slides/slide3.xml><?xml version="1.0" encoding="utf-8"?>
+<p:sld xmlns:a="http://schemas.openxmlformats.org/drawingml/2006/main" xmlns:r="http://schemas.openxmlformats.org/officeDocument/2006/relationships" xmlns:p="http://schemas.openxmlformats.org/presentationml/2006/main">
+  <p:cSld>
+    <p:bg>
+      <p:bgPr>
+        <a:solidFill>
+          <a:schemeClr val="bg1"/>
+        </a:solidFill>
+        <a:effectLst/>
+      </p:bgPr>
+    </p:bg>
+    <p:spTree>
+      <p:nvGrpSpPr>
+        <p:cNvPr id="1" name=""/>
+        <p:cNvGrpSpPr/>
+        <p:nvPr/>
+      </p:nvGrpSpPr>
+      <p:grpSpPr>
+        <a:xfrm>
+          <a:off x="0" y="0"/>
+          <a:ext cx="0" cy="0"/>
+          <a:chOff x="0" y="0"/>
+          <a:chExt cx="0" cy="0"/>
+        </a:xfrm>
+      </p:grpSpPr>
+      <p:sp>
+        <p:nvSpPr>
+          <p:cNvPr id="2" name="Title 1">
+            <a:extLst>
+              <a:ext uri="{FF2B5EF4-FFF2-40B4-BE49-F238E27FC236}">
+                <a16:creationId xmlns:a16="http://schemas.microsoft.com/office/drawing/2014/main" id="{240923C3-415A-F0B6-A517-97F56DD090AD}"/>
+              </a:ext>
+            </a:extLst>
+          </p:cNvPr>
+          <p:cNvSpPr>
+            <a:spLocks noGrp="1"/>
+          </p:cNvSpPr>
+          <p:nvPr>
+            <p:ph type="title"/>
+          </p:nvPr>
+        </p:nvSpPr>
+        <p:spPr>
+          <a:xfrm>
+            <a:off x="677334" y="609600"/>
+            <a:ext cx="8596668" cy="1320800"/>
+          </a:xfrm>
+        </p:spPr>
+        <p:txBody>
+          <a:bodyPr anchor="t">
+            <a:normAutofit/>
+          </a:bodyPr>
+          <a:lstStyle/>
+          <a:p>
+            <a:r>
+              <a:rPr lang="en-US" dirty="0"/>
+              <a:t>Multiple File Structure in </a:t>
+            </a:r>
+            <a:r>
+              <a:rPr lang="en-US" dirty="0" err="1"/>
+              <a:t>FastAPI</a:t>
+            </a:r>
+            <a:endParaRPr lang="en-US" dirty="0"/>
+          </a:p>
+        </p:txBody>
+      </p:sp>
+      <p:sp>
+        <p:nvSpPr>
+          <p:cNvPr id="3" name="Content Placeholder 2">
+            <a:extLst>
+              <a:ext uri="{FF2B5EF4-FFF2-40B4-BE49-F238E27FC236}">
+                <a16:creationId xmlns:a16="http://schemas.microsoft.com/office/drawing/2014/main" id="{D48B097D-4123-D929-5E3D-E8701BAB0F2D}"/>
+              </a:ext>
+            </a:extLst>
+          </p:cNvPr>
+          <p:cNvSpPr>
+            <a:spLocks noGrp="1"/>
+          </p:cNvSpPr>
+          <p:nvPr>
+            <p:ph idx="1"/>
+          </p:nvPr>
+        </p:nvSpPr>
+        <p:spPr>
+          <a:xfrm>
+            <a:off x="677334" y="2160590"/>
+            <a:ext cx="5220430" cy="3701270"/>
+          </a:xfrm>
+        </p:spPr>
+        <p:txBody>
+          <a:bodyPr>
+            <a:normAutofit/>
+          </a:bodyPr>
+          <a:lstStyle/>
+          <a:p>
+            <a:r>
+              <a:rPr lang="en-US" dirty="0"/>
+              <a:t>If you are building an application or a web API, it's rarely the case that you can put everything in a single file.</a:t>
+            </a:r>
+          </a:p>
+          <a:p>
+            <a:r>
+              <a:rPr lang="en-US" b="1" dirty="0" err="1"/>
+              <a:t>FastAPI</a:t>
+            </a:r>
+            <a:r>
+              <a:rPr lang="en-US" dirty="0"/>
+              <a:t> provides a convenience tool to structure your application while keeping all the flexibility</a:t>
+            </a:r>
+          </a:p>
+          <a:p>
+            <a:pPr>
+              <a:buFont typeface="Arial" panose="020B0604020202020204" pitchFamily="34" charset="0"/>
+              <a:buChar char="•"/>
+            </a:pPr>
+            <a:endParaRPr lang="en-US" dirty="0"/>
+          </a:p>
+        </p:txBody>
+      </p:sp>
+      <p:pic>
+        <p:nvPicPr>
+          <p:cNvPr id="5" name="Picture 4">
+            <a:extLst>
+              <a:ext uri="{FF2B5EF4-FFF2-40B4-BE49-F238E27FC236}">
+                <a16:creationId xmlns:a16="http://schemas.microsoft.com/office/drawing/2014/main" id="{C5FD7A17-61CA-EA97-23FB-8179BBD61F49}"/>
+              </a:ext>
+            </a:extLst>
+          </p:cNvPr>
+          <p:cNvPicPr>
+            <a:picLocks noChangeAspect="1"/>
+          </p:cNvPicPr>
+          <p:nvPr/>
+        </p:nvPicPr>
+        <p:blipFill>
+          <a:blip r:embed="rId2"/>
+          <a:stretch>
+            <a:fillRect/>
+          </a:stretch>
+        </p:blipFill>
+        <p:spPr>
+          <a:xfrm>
+            <a:off x="6087417" y="2159000"/>
+            <a:ext cx="3145536" cy="2796032"/>
+          </a:xfrm>
+          <a:prstGeom prst="rect">
+            <a:avLst/>
+          </a:prstGeom>
+        </p:spPr>
+      </p:pic>
+    </p:spTree>
+    <p:extLst>
+      <p:ext uri="{BB962C8B-B14F-4D97-AF65-F5344CB8AC3E}">
+        <p14:creationId xmlns:p14="http://schemas.microsoft.com/office/powerpoint/2010/main" val="3657767992"/>
+      </p:ext>
+    </p:extLst>
+  </p:cSld>
+  <p:clrMapOvr>
+    <a:masterClrMapping/>
+  </p:clrMapOvr>
+</p:sld>
+</file>
+
+<file path=ppt/slides/slide4.xml><?xml version="1.0" encoding="utf-8"?>
+<p:sld xmlns:a="http://schemas.openxmlformats.org/drawingml/2006/main" xmlns:r="http://schemas.openxmlformats.org/officeDocument/2006/relationships" xmlns:p="http://schemas.openxmlformats.org/presentationml/2006/main">
+  <p:cSld>
+    <p:spTree>
+      <p:nvGrpSpPr>
+        <p:cNvPr id="1" name=""/>
+        <p:cNvGrpSpPr/>
+        <p:nvPr/>
+      </p:nvGrpSpPr>
+      <p:grpSpPr>
+        <a:xfrm>
+          <a:off x="0" y="0"/>
+          <a:ext cx="0" cy="0"/>
+          <a:chOff x="0" y="0"/>
+          <a:chExt cx="0" cy="0"/>
+        </a:xfrm>
+      </p:grpSpPr>
+      <p:sp>
+        <p:nvSpPr>
+          <p:cNvPr id="2" name="Title 1">
+            <a:extLst>
+              <a:ext uri="{FF2B5EF4-FFF2-40B4-BE49-F238E27FC236}">
+                <a16:creationId xmlns:a16="http://schemas.microsoft.com/office/drawing/2014/main" id="{5221C501-E6CD-E1C8-C8CD-E4458BC73B51}"/>
+              </a:ext>
+            </a:extLst>
+          </p:cNvPr>
+          <p:cNvSpPr>
+            <a:spLocks noGrp="1"/>
+          </p:cNvSpPr>
+          <p:nvPr>
+            <p:ph type="title"/>
+          </p:nvPr>
+        </p:nvSpPr>
+        <p:spPr/>
+        <p:txBody>
+          <a:bodyPr/>
+          <a:lstStyle/>
+          <a:p>
+            <a:r>
+              <a:rPr lang="en-US" dirty="0"/>
+              <a:t>Multiple File Structure in </a:t>
+            </a:r>
+            <a:r>
+              <a:rPr lang="en-US" dirty="0" err="1"/>
+              <a:t>FastAPI</a:t>
+            </a:r>
+            <a:endParaRPr lang="en-US" dirty="0"/>
+          </a:p>
+        </p:txBody>
+      </p:sp>
+      <p:pic>
+        <p:nvPicPr>
+          <p:cNvPr id="9" name="Content Placeholder 8">
+            <a:extLst>
+              <a:ext uri="{FF2B5EF4-FFF2-40B4-BE49-F238E27FC236}">
+                <a16:creationId xmlns:a16="http://schemas.microsoft.com/office/drawing/2014/main" id="{3FAB4925-0221-FE85-36BD-C3D55232F314}"/>
+              </a:ext>
+            </a:extLst>
+          </p:cNvPr>
+          <p:cNvPicPr>
+            <a:picLocks noGrp="1" noChangeAspect="1"/>
+          </p:cNvPicPr>
+          <p:nvPr>
+            <p:ph idx="1"/>
+          </p:nvPr>
+        </p:nvPicPr>
+        <p:blipFill>
+          <a:blip r:embed="rId2"/>
+          <a:stretch>
+            <a:fillRect/>
+          </a:stretch>
+        </p:blipFill>
+        <p:spPr>
+          <a:xfrm>
+            <a:off x="1438010" y="1523500"/>
+            <a:ext cx="9941189" cy="4724900"/>
+          </a:xfrm>
+          <a:prstGeom prst="rect">
+            <a:avLst/>
+          </a:prstGeom>
+        </p:spPr>
+      </p:pic>
+    </p:spTree>
+    <p:extLst>
+      <p:ext uri="{BB962C8B-B14F-4D97-AF65-F5344CB8AC3E}">
+        <p14:creationId xmlns:p14="http://schemas.microsoft.com/office/powerpoint/2010/main" val="2829418437"/>
+      </p:ext>
+    </p:extLst>
+  </p:cSld>
+  <p:clrMapOvr>
+    <a:masterClrMapping/>
+  </p:clrMapOvr>
+</p:sld>
+</file>
+
+<file path=ppt/slides/slide5.xml><?xml version="1.0" encoding="utf-8"?>
+<p:sld xmlns:a="http://schemas.openxmlformats.org/drawingml/2006/main" xmlns:r="http://schemas.openxmlformats.org/officeDocument/2006/relationships" xmlns:p="http://schemas.openxmlformats.org/presentationml/2006/main">
+  <p:cSld>
+    <p:spTree>
+      <p:nvGrpSpPr>
+        <p:cNvPr id="1" name=""/>
+        <p:cNvGrpSpPr/>
+        <p:nvPr/>
+      </p:nvGrpSpPr>
+      <p:grpSpPr>
+        <a:xfrm>
+          <a:off x="0" y="0"/>
+          <a:ext cx="0" cy="0"/>
+          <a:chOff x="0" y="0"/>
+          <a:chExt cx="0" cy="0"/>
+        </a:xfrm>
+      </p:grpSpPr>
+      <p:sp>
+        <p:nvSpPr>
+          <p:cNvPr id="2" name="Title 1">
+            <a:extLst>
+              <a:ext uri="{FF2B5EF4-FFF2-40B4-BE49-F238E27FC236}">
+                <a16:creationId xmlns:a16="http://schemas.microsoft.com/office/drawing/2014/main" id="{00A8EE44-E403-C966-20DF-5E2705415EAA}"/>
+              </a:ext>
+            </a:extLst>
+          </p:cNvPr>
+          <p:cNvSpPr>
+            <a:spLocks noGrp="1"/>
+          </p:cNvSpPr>
+          <p:nvPr>
+            <p:ph type="title"/>
+          </p:nvPr>
+        </p:nvSpPr>
+        <p:spPr/>
+        <p:txBody>
+          <a:bodyPr/>
+          <a:lstStyle/>
+          <a:p>
+            <a:r>
+              <a:rPr lang="en-US" dirty="0" err="1"/>
+              <a:t>APIRouter</a:t>
+            </a:r>
+            <a:r>
+              <a:rPr lang="en-US" dirty="0"/>
+              <a:t> </a:t>
+            </a:r>
+          </a:p>
+        </p:txBody>
+      </p:sp>
+      <p:sp>
+        <p:nvSpPr>
+          <p:cNvPr id="3" name="Content Placeholder 2">
+            <a:extLst>
+              <a:ext uri="{FF2B5EF4-FFF2-40B4-BE49-F238E27FC236}">
+                <a16:creationId xmlns:a16="http://schemas.microsoft.com/office/drawing/2014/main" id="{8B6634E0-4035-9177-CCF7-FE9646C3F2AB}"/>
+              </a:ext>
+            </a:extLst>
+          </p:cNvPr>
+          <p:cNvSpPr>
+            <a:spLocks noGrp="1"/>
+          </p:cNvSpPr>
+          <p:nvPr>
+            <p:ph idx="1"/>
+          </p:nvPr>
+        </p:nvSpPr>
+        <p:spPr/>
+        <p:txBody>
+          <a:bodyPr/>
+          <a:lstStyle/>
+          <a:p>
+            <a:r>
+              <a:rPr lang="en-US" dirty="0"/>
+              <a:t>Let's say the file dedicated to handling just users is the submodule at /app/routers/users.py.</a:t>
+            </a:r>
+          </a:p>
+          <a:p>
+            <a:r>
+              <a:rPr lang="en-US" dirty="0"/>
+              <a:t>You want to have the </a:t>
+            </a:r>
+            <a:r>
+              <a:rPr lang="en-US" i="1" dirty="0"/>
+              <a:t>path operations</a:t>
+            </a:r>
+            <a:r>
+              <a:rPr lang="en-US" dirty="0"/>
+              <a:t> related to your users separated from the rest of the code, to keep it organized.</a:t>
+            </a:r>
+          </a:p>
+          <a:p>
+            <a:r>
+              <a:rPr lang="en-US" dirty="0"/>
+              <a:t>But it's still part of the same </a:t>
+            </a:r>
+            <a:r>
+              <a:rPr lang="en-US" b="1" dirty="0" err="1"/>
+              <a:t>FastAPI</a:t>
+            </a:r>
+            <a:r>
+              <a:rPr lang="en-US" dirty="0"/>
+              <a:t> application/web API (it's part of the same "Python Package").</a:t>
+            </a:r>
+          </a:p>
+          <a:p>
+            <a:r>
+              <a:rPr lang="en-US" dirty="0"/>
+              <a:t>You can create the </a:t>
+            </a:r>
+            <a:r>
+              <a:rPr lang="en-US" i="1" dirty="0"/>
+              <a:t>path operations</a:t>
+            </a:r>
+            <a:r>
+              <a:rPr lang="en-US" dirty="0"/>
+              <a:t> for that module using </a:t>
+            </a:r>
+            <a:r>
+              <a:rPr lang="en-US" dirty="0" err="1"/>
+              <a:t>APIRouter</a:t>
+            </a:r>
+            <a:r>
+              <a:rPr lang="en-US" dirty="0"/>
+              <a:t>.</a:t>
+            </a:r>
+          </a:p>
+        </p:txBody>
+      </p:sp>
+    </p:spTree>
+    <p:extLst>
+      <p:ext uri="{BB962C8B-B14F-4D97-AF65-F5344CB8AC3E}">
+        <p14:creationId xmlns:p14="http://schemas.microsoft.com/office/powerpoint/2010/main" val="2929046208"/>
+      </p:ext>
+    </p:extLst>
+  </p:cSld>
+  <p:clrMapOvr>
+    <a:masterClrMapping/>
+  </p:clrMapOvr>
+</p:sld>
+</file>
+
+<file path=ppt/slides/slide6.xml><?xml version="1.0" encoding="utf-8"?>
+<p:sld xmlns:a="http://schemas.openxmlformats.org/drawingml/2006/main" xmlns:r="http://schemas.openxmlformats.org/officeDocument/2006/relationships" xmlns:p="http://schemas.openxmlformats.org/presentationml/2006/main">
+  <p:cSld>
+    <p:spTree>
+      <p:nvGrpSpPr>
+        <p:cNvPr id="1" name=""/>
+        <p:cNvGrpSpPr/>
+        <p:nvPr/>
+      </p:nvGrpSpPr>
+      <p:grpSpPr>
+        <a:xfrm>
+          <a:off x="0" y="0"/>
+          <a:ext cx="0" cy="0"/>
+          <a:chOff x="0" y="0"/>
+          <a:chExt cx="0" cy="0"/>
+        </a:xfrm>
+      </p:grpSpPr>
+      <p:sp>
+        <p:nvSpPr>
+          <p:cNvPr id="2" name="Title 1">
+            <a:extLst>
+              <a:ext uri="{FF2B5EF4-FFF2-40B4-BE49-F238E27FC236}">
+                <a16:creationId xmlns:a16="http://schemas.microsoft.com/office/drawing/2014/main" id="{9F0DB5F6-59DF-B17B-B930-0A3BF94DB025}"/>
+              </a:ext>
+            </a:extLst>
+          </p:cNvPr>
+          <p:cNvSpPr>
+            <a:spLocks noGrp="1"/>
+          </p:cNvSpPr>
+          <p:nvPr>
+            <p:ph type="title"/>
+          </p:nvPr>
+        </p:nvSpPr>
+        <p:spPr/>
+        <p:txBody>
+          <a:bodyPr/>
+          <a:lstStyle/>
+          <a:p>
+            <a:r>
+              <a:rPr lang="en-US" dirty="0"/>
+              <a:t>Dependencies in </a:t>
+            </a:r>
+            <a:r>
+              <a:rPr lang="en-US" dirty="0" err="1"/>
+              <a:t>FastAPI</a:t>
+            </a:r>
+            <a:endParaRPr lang="en-US" dirty="0"/>
+          </a:p>
+        </p:txBody>
+      </p:sp>
+      <p:sp>
+        <p:nvSpPr>
+          <p:cNvPr id="3" name="Content Placeholder 2">
+            <a:extLst>
+              <a:ext uri="{FF2B5EF4-FFF2-40B4-BE49-F238E27FC236}">
+                <a16:creationId xmlns:a16="http://schemas.microsoft.com/office/drawing/2014/main" id="{C6452ACF-E8B9-1A5E-474C-676D0AFB63D7}"/>
+              </a:ext>
+            </a:extLst>
+          </p:cNvPr>
+          <p:cNvSpPr>
+            <a:spLocks noGrp="1"/>
+          </p:cNvSpPr>
+          <p:nvPr>
+            <p:ph idx="1"/>
+          </p:nvPr>
+        </p:nvSpPr>
+        <p:spPr>
+          <a:xfrm>
+            <a:off x="677333" y="2160589"/>
+            <a:ext cx="9516533" cy="3880773"/>
+          </a:xfrm>
+        </p:spPr>
+        <p:txBody>
+          <a:bodyPr/>
+          <a:lstStyle/>
+          <a:p>
+            <a:r>
+              <a:rPr lang="en-US" dirty="0"/>
+              <a:t>In </a:t>
+            </a:r>
+            <a:r>
+              <a:rPr lang="en-US" dirty="0" err="1">
+                <a:hlinkClick r:id="rId2"/>
+              </a:rPr>
+              <a:t>FastAPI</a:t>
+            </a:r>
+            <a:r>
+              <a:rPr lang="en-US" dirty="0"/>
+              <a:t>, you can apply dependencies to all routes within an </a:t>
+            </a:r>
+            <a:r>
+              <a:rPr lang="en-US" dirty="0" err="1"/>
+              <a:t>APIRouter</a:t>
+            </a:r>
+            <a:r>
+              <a:rPr lang="en-US" dirty="0"/>
+              <a:t> using the dependencies parameter of the </a:t>
+            </a:r>
+            <a:r>
+              <a:rPr lang="en-US" dirty="0" err="1"/>
+              <a:t>APIRouter</a:t>
+            </a:r>
+            <a:r>
+              <a:rPr lang="en-US" dirty="0"/>
+              <a:t> class. This is an efficient way to manage shared logic such as authentication, database connections, or logging for a group of related endpoints without repeating code in each path operation function. </a:t>
+            </a:r>
+          </a:p>
+          <a:p>
+            <a:r>
+              <a:rPr lang="en-US" b="1" dirty="0"/>
+              <a:t>Define your dependency function(s)</a:t>
+            </a:r>
+            <a:r>
+              <a:rPr lang="en-US" dirty="0"/>
+              <a:t>: These are standard </a:t>
+            </a:r>
+            <a:r>
+              <a:rPr lang="en-US" dirty="0" err="1"/>
+              <a:t>FastAPI</a:t>
+            </a:r>
+            <a:r>
+              <a:rPr lang="en-US" dirty="0"/>
+              <a:t> dependencies, which can be async or def functions, or classes, that often use Depends() themselves.</a:t>
+            </a:r>
+          </a:p>
+          <a:p>
+            <a:r>
+              <a:rPr lang="en-US" b="1" dirty="0"/>
+              <a:t>Create an </a:t>
+            </a:r>
+            <a:r>
+              <a:rPr lang="en-US" b="1" dirty="0" err="1"/>
+              <a:t>APIRouter</a:t>
+            </a:r>
+            <a:r>
+              <a:rPr lang="en-US" b="1" dirty="0"/>
+              <a:t> instance</a:t>
+            </a:r>
+            <a:r>
+              <a:rPr lang="en-US" dirty="0"/>
+              <a:t> and pass your dependencies as a list to the dependencies argument.</a:t>
+            </a:r>
+          </a:p>
+          <a:p>
+            <a:r>
+              <a:rPr lang="en-US" b="1" dirty="0"/>
+              <a:t>Include the router</a:t>
+            </a:r>
+            <a:r>
+              <a:rPr lang="en-US" dirty="0"/>
+              <a:t> in your main </a:t>
+            </a:r>
+            <a:r>
+              <a:rPr lang="en-US" dirty="0" err="1"/>
+              <a:t>FastAPI</a:t>
+            </a:r>
+            <a:r>
+              <a:rPr lang="en-US" dirty="0"/>
+              <a:t> application. </a:t>
+            </a:r>
+          </a:p>
+          <a:p>
+            <a:endParaRPr lang="en-US" dirty="0"/>
+          </a:p>
+        </p:txBody>
+      </p:sp>
+    </p:spTree>
+    <p:extLst>
+      <p:ext uri="{BB962C8B-B14F-4D97-AF65-F5344CB8AC3E}">
+        <p14:creationId xmlns:p14="http://schemas.microsoft.com/office/powerpoint/2010/main" val="965100391"/>
+      </p:ext>
+    </p:extLst>
+  </p:cSld>
+  <p:clrMapOvr>
+    <a:masterClrMapping/>
+  </p:clrMapOvr>
+</p:sld>
+</file>
+
+<file path=ppt/slides/slide7.xml><?xml version="1.0" encoding="utf-8"?>
+<p:sld xmlns:a="http://schemas.openxmlformats.org/drawingml/2006/main" xmlns:r="http://schemas.openxmlformats.org/officeDocument/2006/relationships" xmlns:p="http://schemas.openxmlformats.org/presentationml/2006/main">
+  <p:cSld>
+    <p:spTree>
+      <p:nvGrpSpPr>
+        <p:cNvPr id="1" name=""/>
+        <p:cNvGrpSpPr/>
+        <p:nvPr/>
+      </p:nvGrpSpPr>
+      <p:grpSpPr>
+        <a:xfrm>
+          <a:off x="0" y="0"/>
+          <a:ext cx="0" cy="0"/>
+          <a:chOff x="0" y="0"/>
+          <a:chExt cx="0" cy="0"/>
+        </a:xfrm>
+      </p:grpSpPr>
+      <p:sp>
+        <p:nvSpPr>
+          <p:cNvPr id="2" name="Title 1">
+            <a:extLst>
+              <a:ext uri="{FF2B5EF4-FFF2-40B4-BE49-F238E27FC236}">
+                <a16:creationId xmlns:a16="http://schemas.microsoft.com/office/drawing/2014/main" id="{6CC68865-CCE6-D531-555E-B74BAF5C84CD}"/>
+              </a:ext>
+            </a:extLst>
+          </p:cNvPr>
+          <p:cNvSpPr>
+            <a:spLocks noGrp="1"/>
+          </p:cNvSpPr>
+          <p:nvPr>
+            <p:ph type="title"/>
+          </p:nvPr>
+        </p:nvSpPr>
+        <p:spPr/>
+        <p:txBody>
+          <a:bodyPr/>
+          <a:lstStyle/>
+          <a:p>
+            <a:r>
+              <a:rPr lang="en-US" dirty="0"/>
+              <a:t>Benefits of Dependencies in </a:t>
+            </a:r>
+            <a:r>
+              <a:rPr lang="en-US" dirty="0" err="1"/>
+              <a:t>APIRouter</a:t>
+            </a:r>
+            <a:endParaRPr lang="en-US" dirty="0"/>
+          </a:p>
+        </p:txBody>
+      </p:sp>
+      <p:sp>
+        <p:nvSpPr>
+          <p:cNvPr id="3" name="Content Placeholder 2">
+            <a:extLst>
+              <a:ext uri="{FF2B5EF4-FFF2-40B4-BE49-F238E27FC236}">
+                <a16:creationId xmlns:a16="http://schemas.microsoft.com/office/drawing/2014/main" id="{39124902-FD7F-1574-3926-D7E26594043B}"/>
+              </a:ext>
+            </a:extLst>
+          </p:cNvPr>
+          <p:cNvSpPr>
+            <a:spLocks noGrp="1"/>
+          </p:cNvSpPr>
+          <p:nvPr>
+            <p:ph idx="1"/>
+          </p:nvPr>
+        </p:nvSpPr>
+        <p:spPr>
+          <a:xfrm>
+            <a:off x="677333" y="2160589"/>
+            <a:ext cx="10176933" cy="3880773"/>
+          </a:xfrm>
+        </p:spPr>
+        <p:txBody>
+          <a:bodyPr>
+            <a:normAutofit fontScale="92500" lnSpcReduction="20000"/>
+          </a:bodyPr>
+          <a:lstStyle/>
+          <a:p>
+            <a:r>
+              <a:rPr lang="en-US" b="1" dirty="0"/>
+              <a:t>Execution Order</a:t>
+            </a:r>
+            <a:r>
+              <a:rPr lang="en-US" dirty="0"/>
+              <a:t>: Router-level dependencies are executed before dependencies defined directly in the path operation function's decorator or function parameters.</a:t>
+            </a:r>
+          </a:p>
+          <a:p>
+            <a:r>
+              <a:rPr lang="en-US" b="1" dirty="0"/>
+              <a:t>Return Values</a:t>
+            </a:r>
+            <a:r>
+              <a:rPr lang="en-US" dirty="0"/>
+              <a:t>: By default, the return values of dependencies specified in the dependencies list of the </a:t>
+            </a:r>
+            <a:r>
+              <a:rPr lang="en-US" dirty="0" err="1"/>
+              <a:t>APIRouter</a:t>
+            </a:r>
+            <a:r>
+              <a:rPr lang="en-US" dirty="0"/>
+              <a:t> (or </a:t>
+            </a:r>
+            <a:r>
+              <a:rPr lang="en-US" dirty="0" err="1"/>
+              <a:t>app.include_router</a:t>
+            </a:r>
+            <a:r>
+              <a:rPr lang="en-US" dirty="0"/>
+              <a:t>()) are </a:t>
+            </a:r>
+            <a:r>
+              <a:rPr lang="en-US" b="1" dirty="0"/>
+              <a:t>not</a:t>
+            </a:r>
+            <a:r>
+              <a:rPr lang="en-US" dirty="0"/>
+              <a:t> automatically passed as parameters to the path operation function. They are primarily for side effects, such as authentication checks, logging, or ensuring a resource is available.</a:t>
+            </a:r>
+          </a:p>
+          <a:p>
+            <a:r>
+              <a:rPr lang="en-US" b="1" dirty="0"/>
+              <a:t>Accessing Return Values</a:t>
+            </a:r>
+            <a:r>
+              <a:rPr lang="en-US" dirty="0"/>
+              <a:t>: If you need to access the return value of a router-level dependency within your path function (e.g., getting the </a:t>
+            </a:r>
+            <a:r>
+              <a:rPr lang="en-US" dirty="0" err="1"/>
+              <a:t>current_user</a:t>
+            </a:r>
+            <a:r>
+              <a:rPr lang="en-US" dirty="0"/>
+              <a:t> object after authentication), you must explicitly declare that same dependency in the path operation function's parameters. </a:t>
+            </a:r>
+            <a:r>
+              <a:rPr lang="en-US" dirty="0" err="1"/>
+              <a:t>FastAPI</a:t>
+            </a:r>
+            <a:r>
+              <a:rPr lang="en-US" dirty="0"/>
+              <a:t> is smart enough to call the dependency only once per request and cache the result.</a:t>
+            </a:r>
+          </a:p>
+          <a:p>
+            <a:r>
+              <a:rPr lang="en-US" b="1" dirty="0"/>
+              <a:t>Overriding</a:t>
+            </a:r>
+            <a:r>
+              <a:rPr lang="en-US" dirty="0"/>
+              <a:t>: Dependencies can be overridden for testing purposes using the </a:t>
+            </a:r>
+            <a:r>
+              <a:rPr lang="en-US" dirty="0" err="1"/>
+              <a:t>app.dependency_overrides</a:t>
+            </a:r>
+            <a:r>
+              <a:rPr lang="en-US" dirty="0"/>
+              <a:t> attribute, which simplifies unit testing of individual routes.</a:t>
+            </a:r>
+          </a:p>
+          <a:p>
+            <a:r>
+              <a:rPr lang="en-US" b="1" dirty="0"/>
+              <a:t>Dependencies with yield</a:t>
+            </a:r>
+            <a:r>
+              <a:rPr lang="en-US" dirty="0"/>
+              <a:t>: The </a:t>
+            </a:r>
+            <a:r>
+              <a:rPr lang="en-US" dirty="0" err="1"/>
+              <a:t>APIRouter</a:t>
+            </a:r>
+            <a:r>
+              <a:rPr lang="en-US" dirty="0"/>
+              <a:t> supports dependencies with yield, which are useful for resource management like database sessions, ensuring cleanup code runs after the request is finished. </a:t>
+            </a:r>
+          </a:p>
+          <a:p>
+            <a:endParaRPr lang="en-US" dirty="0"/>
+          </a:p>
+          <a:p>
+            <a:endParaRPr lang="en-US" dirty="0"/>
+          </a:p>
+        </p:txBody>
+      </p:sp>
+    </p:spTree>
+    <p:extLst>
+      <p:ext uri="{BB962C8B-B14F-4D97-AF65-F5344CB8AC3E}">
+        <p14:creationId xmlns:p14="http://schemas.microsoft.com/office/powerpoint/2010/main" val="865756344"/>
+      </p:ext>
+    </p:extLst>
+  </p:cSld>
+  <p:clrMapOvr>
+    <a:masterClrMapping/>
+  </p:clrMapOvr>
+</p:sld>
+</file>
+
+<file path=ppt/slides/slide8.xml><?xml version="1.0" encoding="utf-8"?>
+<p:sld xmlns:a="http://schemas.openxmlformats.org/drawingml/2006/main" xmlns:r="http://schemas.openxmlformats.org/officeDocument/2006/relationships" xmlns:p="http://schemas.openxmlformats.org/presentationml/2006/main" show="0">
+  <p:cSld>
+    <p:spTree>
+      <p:nvGrpSpPr>
+        <p:cNvPr id="1" name=""/>
+        <p:cNvGrpSpPr/>
+        <p:nvPr/>
+      </p:nvGrpSpPr>
+      <p:grpSpPr>
+        <a:xfrm>
+          <a:off x="0" y="0"/>
+          <a:ext cx="0" cy="0"/>
+          <a:chOff x="0" y="0"/>
+          <a:chExt cx="0" cy="0"/>
+        </a:xfrm>
+      </p:grpSpPr>
+      <p:sp>
+        <p:nvSpPr>
+          <p:cNvPr id="4" name="Title 3">
+            <a:extLst>
+              <a:ext uri="{FF2B5EF4-FFF2-40B4-BE49-F238E27FC236}">
+                <a16:creationId xmlns:a16="http://schemas.microsoft.com/office/drawing/2014/main" id="{C8148847-CC2F-95E7-48C0-CAC990A549A2}"/>
+              </a:ext>
+            </a:extLst>
+          </p:cNvPr>
+          <p:cNvSpPr>
+            <a:spLocks noGrp="1"/>
+          </p:cNvSpPr>
+          <p:nvPr>
+            <p:ph type="title"/>
+          </p:nvPr>
+        </p:nvSpPr>
+        <p:spPr/>
+        <p:txBody>
+          <a:bodyPr/>
+          <a:lstStyle/>
+          <a:p>
+            <a:r>
+              <a:rPr lang="en-US" dirty="0"/>
+              <a:t>Overview of Alembic</a:t>
+            </a:r>
+          </a:p>
+        </p:txBody>
+      </p:sp>
+      <p:sp>
+        <p:nvSpPr>
+          <p:cNvPr id="5" name="Content Placeholder 4">
+            <a:extLst>
+              <a:ext uri="{FF2B5EF4-FFF2-40B4-BE49-F238E27FC236}">
+                <a16:creationId xmlns:a16="http://schemas.microsoft.com/office/drawing/2014/main" id="{0CA17889-A9F4-5B15-8846-E72483C5F312}"/>
+              </a:ext>
+            </a:extLst>
+          </p:cNvPr>
+          <p:cNvSpPr>
+            <a:spLocks noGrp="1"/>
+          </p:cNvSpPr>
+          <p:nvPr>
+            <p:ph sz="half" idx="1"/>
+          </p:nvPr>
+        </p:nvSpPr>
+        <p:spPr>
+          <a:xfrm>
+            <a:off x="677334" y="2160589"/>
+            <a:ext cx="8771466" cy="3880772"/>
+          </a:xfrm>
+        </p:spPr>
+        <p:txBody>
+          <a:bodyPr/>
+          <a:lstStyle/>
+          <a:p>
+            <a:r>
+              <a:rPr lang="en-US" dirty="0"/>
+              <a:t>Alembic provides for the creation, management, and invocation of </a:t>
+            </a:r>
+            <a:r>
+              <a:rPr lang="en-US" i="1" dirty="0"/>
+              <a:t>change management</a:t>
+            </a:r>
+            <a:r>
+              <a:rPr lang="en-US" dirty="0"/>
+              <a:t> scripts for a relational database, using SQLAlchemy as the underlying engine.</a:t>
+            </a:r>
+          </a:p>
+          <a:p>
+            <a:pPr marL="0" indent="0">
+              <a:buNone/>
+            </a:pPr>
+            <a:endParaRPr lang="en-US" dirty="0"/>
+          </a:p>
+          <a:p>
+            <a:r>
+              <a:rPr lang="en-US" dirty="0"/>
+              <a:t>Usage of Alembic starts with creation of the </a:t>
+            </a:r>
+            <a:r>
+              <a:rPr lang="en-US" i="1" dirty="0"/>
+              <a:t>Migration Environment</a:t>
+            </a:r>
+            <a:r>
+              <a:rPr lang="en-US" dirty="0"/>
+              <a:t>. This is a directory of scripts that is specific to a particular application. </a:t>
+            </a:r>
+          </a:p>
+          <a:p>
+            <a:endParaRPr lang="en-US" dirty="0"/>
+          </a:p>
+          <a:p>
+            <a:r>
+              <a:rPr lang="en-US" dirty="0"/>
+              <a:t>The migration environment is created just once and is then maintained along with the application’s source code itself. The environment is created using the </a:t>
+            </a:r>
+            <a:r>
+              <a:rPr lang="en-US" b="1" dirty="0" err="1"/>
+              <a:t>init</a:t>
+            </a:r>
+            <a:r>
+              <a:rPr lang="en-US" b="1" dirty="0"/>
+              <a:t> </a:t>
+            </a:r>
+            <a:r>
+              <a:rPr lang="en-US" dirty="0"/>
+              <a:t>command of Alembic and is then customizable to suit the specific needs of the application.</a:t>
+            </a:r>
+          </a:p>
+        </p:txBody>
+      </p:sp>
+    </p:spTree>
+    <p:extLst>
+      <p:ext uri="{BB962C8B-B14F-4D97-AF65-F5344CB8AC3E}">
+        <p14:creationId xmlns:p14="http://schemas.microsoft.com/office/powerpoint/2010/main" val="1893952962"/>
+      </p:ext>
+    </p:extLst>
+  </p:cSld>
+  <p:clrMapOvr>
+    <a:masterClrMapping/>
+  </p:clrMapOvr>
+</p:sld>
+</file>
+
+<file path=ppt/slides/slide9.xml><?xml version="1.0" encoding="utf-8"?>
+<p:sld xmlns:a="http://schemas.openxmlformats.org/drawingml/2006/main" xmlns:r="http://schemas.openxmlformats.org/officeDocument/2006/relationships" xmlns:p="http://schemas.openxmlformats.org/presentationml/2006/main" show="0">
+  <p:cSld>
+    <p:spTree>
+      <p:nvGrpSpPr>
+        <p:cNvPr id="1" name=""/>
+        <p:cNvGrpSpPr/>
+        <p:nvPr/>
+      </p:nvGrpSpPr>
+      <p:grpSpPr>
+        <a:xfrm>
+          <a:off x="0" y="0"/>
+          <a:ext cx="0" cy="0"/>
+          <a:chOff x="0" y="0"/>
+          <a:chExt cx="0" cy="0"/>
+        </a:xfrm>
+      </p:grpSpPr>
+      <p:sp>
+        <p:nvSpPr>
+          <p:cNvPr id="2" name="Title 1">
+            <a:extLst>
+              <a:ext uri="{FF2B5EF4-FFF2-40B4-BE49-F238E27FC236}">
+                <a16:creationId xmlns:a16="http://schemas.microsoft.com/office/drawing/2014/main" id="{7762FD47-CAE6-C096-D8D3-EB919B13F2CB}"/>
+              </a:ext>
+            </a:extLst>
+          </p:cNvPr>
+          <p:cNvSpPr>
+            <a:spLocks noGrp="1"/>
+          </p:cNvSpPr>
+          <p:nvPr>
+            <p:ph type="title"/>
+          </p:nvPr>
+        </p:nvSpPr>
+        <p:spPr/>
+        <p:txBody>
+          <a:bodyPr/>
+          <a:lstStyle/>
+          <a:p>
+            <a:r>
+              <a:rPr lang="en-US" dirty="0"/>
+              <a:t>Alembic Benefits</a:t>
+            </a:r>
+          </a:p>
+        </p:txBody>
+      </p:sp>
+      <p:sp>
+        <p:nvSpPr>
+          <p:cNvPr id="3" name="Content Placeholder 2">
+            <a:extLst>
+              <a:ext uri="{FF2B5EF4-FFF2-40B4-BE49-F238E27FC236}">
+                <a16:creationId xmlns:a16="http://schemas.microsoft.com/office/drawing/2014/main" id="{A1F87560-C935-8368-2D2D-9782F3FA8385}"/>
+              </a:ext>
+            </a:extLst>
+          </p:cNvPr>
+          <p:cNvSpPr>
+            <a:spLocks noGrp="1"/>
+          </p:cNvSpPr>
+          <p:nvPr>
+            <p:ph sz="half" idx="1"/>
+          </p:nvPr>
+        </p:nvSpPr>
+        <p:spPr>
+          <a:xfrm>
+            <a:off x="677334" y="1524000"/>
+            <a:ext cx="10143066" cy="4517361"/>
+          </a:xfrm>
+        </p:spPr>
+        <p:txBody>
+          <a:bodyPr>
+            <a:normAutofit fontScale="70000" lnSpcReduction="20000"/>
+          </a:bodyPr>
+          <a:lstStyle/>
+          <a:p>
+            <a:r>
+              <a:rPr lang="en-US" sz="2100" b="1" dirty="0"/>
+              <a:t>Version Control for Your Database</a:t>
+            </a:r>
+            <a:r>
+              <a:rPr lang="en-US" sz="2100" dirty="0"/>
+              <a:t>: Alembic acts like "Git for your database schema," allowing you to track every change (e.g., adding a table, renaming a column) as an explicit, versioned step in a migration script. This provides a clear, auditable history of modifications.</a:t>
+            </a:r>
+          </a:p>
+          <a:p>
+            <a:r>
+              <a:rPr lang="en-US" sz="2100" b="1" dirty="0"/>
+              <a:t>Consistency Across Environments</a:t>
+            </a:r>
+            <a:r>
+              <a:rPr lang="en-US" sz="2100" dirty="0"/>
+              <a:t>: It ensures that every developer, testing environment, and the production database uses the exact same schema evolution process. This eliminates "schema drift" and prevents issues caused by manual errors during deployment.</a:t>
+            </a:r>
+          </a:p>
+          <a:p>
+            <a:r>
+              <a:rPr lang="en-US" sz="2100" b="1" dirty="0"/>
+              <a:t>Safe Upgrades and Downgrades (Rollbacks): </a:t>
+            </a:r>
+            <a:r>
+              <a:rPr lang="en-US" sz="2100" dirty="0"/>
+              <a:t>Each migration script contains instructions for both applying the changes (upgrade) and reversing them (downgrade). This provides a crucial safety net, allowing you to revert to a previous, stable state if a new release encounters problems.</a:t>
+            </a:r>
+          </a:p>
+          <a:p>
+            <a:r>
+              <a:rPr lang="en-US" sz="2100" b="1" dirty="0"/>
+              <a:t>Streamlined Collaboration: E</a:t>
+            </a:r>
+            <a:r>
+              <a:rPr lang="en-US" sz="2100" dirty="0"/>
+              <a:t>ach developer's schema changes are captured in migration files that are checked into the source code repository. Team members can easily pull the latest changes and run a single command to sync their local databases.</a:t>
+            </a:r>
+          </a:p>
+          <a:p>
+            <a:r>
+              <a:rPr lang="en-US" sz="2100" dirty="0"/>
+              <a:t>Automation and CI/CD Integration: </a:t>
+            </a:r>
+            <a:r>
+              <a:rPr lang="en-US" sz="2000" dirty="0"/>
+              <a:t>Migrations can be easily integrated into Continuous Integration/Continuous Deployment (CI/CD) pipelines, automating the process of applying database changes during deployment. This makes releases more reliable and predictable.</a:t>
+            </a:r>
+          </a:p>
+          <a:p>
+            <a:r>
+              <a:rPr lang="en-US" sz="2100" dirty="0"/>
+              <a:t>Pythonic API and SQLAlchemy Integration: Migration scripts are written in Python, allowing developers to leverage the full power and readability of Python code. It works hand-in-hand with </a:t>
+            </a:r>
+            <a:r>
+              <a:rPr lang="en-US" sz="2100" b="1" dirty="0">
+                <a:hlinkClick r:id="rId2">
+                  <a:extLst>
+                    <a:ext uri="{A12FA001-AC4F-418D-AE19-62706E023703}">
+                      <ahyp:hlinkClr xmlns:ahyp="http://schemas.microsoft.com/office/drawing/2018/hyperlinkcolor" val="tx"/>
+                    </a:ext>
+                  </a:extLst>
+                </a:hlinkClick>
+              </a:rPr>
+              <a:t>SQLAlchemy</a:t>
+            </a:r>
+            <a:r>
+              <a:rPr lang="en-US" sz="2100" dirty="0"/>
+              <a:t>, the most popular Python ORM, and can automatically generate draft migration scripts based on model definitions.</a:t>
+            </a:r>
+          </a:p>
+          <a:p>
+            <a:r>
+              <a:rPr lang="en-US" sz="2100" dirty="0"/>
+              <a:t>Database Agnostic: Alembic supports all major databases that SQLAlchemy works with, including PostgreSQL, MySQL, and SQLite, making it a versatile choice for diverse projects. </a:t>
+            </a:r>
+          </a:p>
+          <a:p>
+            <a:endParaRPr lang="en-US" dirty="0"/>
+          </a:p>
+        </p:txBody>
+      </p:sp>
+    </p:spTree>
+    <p:extLst>
+      <p:ext uri="{BB962C8B-B14F-4D97-AF65-F5344CB8AC3E}">
+        <p14:creationId xmlns:p14="http://schemas.microsoft.com/office/powerpoint/2010/main" val="459849028"/>
+      </p:ext>
+    </p:extLst>
+  </p:cSld>
+  <p:clrMapOvr>
+    <a:masterClrMapping/>
   </p:clrMapOvr>
 </p:sld>
 </file>

--- a/Slides/Day-5/FASTAPI Development using Python on Cloud-Day5.pptx
+++ b/Slides/Day-5/FASTAPI Development using Python on Cloud-Day5.pptx
@@ -923,7 +923,7 @@
           <a:p>
             <a:fld id="{FD1C4689-B28D-4D3C-8B05-9ABB967E2A3E}" type="datetime1">
               <a:rPr lang="en-US" smtClean="0"/>
-              <a:t>2/13/2026</a:t>
+              <a:t>2/20/2026</a:t>
             </a:fld>
             <a:endParaRPr lang="en-US" dirty="0"/>
           </a:p>
@@ -1180,7 +1180,7 @@
           <a:p>
             <a:fld id="{FD1C4689-B28D-4D3C-8B05-9ABB967E2A3E}" type="datetime1">
               <a:rPr lang="en-US" smtClean="0"/>
-              <a:t>2/13/2026</a:t>
+              <a:t>2/20/2026</a:t>
             </a:fld>
             <a:endParaRPr lang="en-US" dirty="0"/>
           </a:p>
@@ -1500,7 +1500,7 @@
           <a:p>
             <a:fld id="{FD1C4689-B28D-4D3C-8B05-9ABB967E2A3E}" type="datetime1">
               <a:rPr lang="en-US" smtClean="0"/>
-              <a:t>2/13/2026</a:t>
+              <a:t>2/20/2026</a:t>
             </a:fld>
             <a:endParaRPr lang="en-US" dirty="0"/>
           </a:p>
@@ -1839,7 +1839,7 @@
           <a:p>
             <a:fld id="{FD1C4689-B28D-4D3C-8B05-9ABB967E2A3E}" type="datetime1">
               <a:rPr lang="en-US" smtClean="0"/>
-              <a:t>2/13/2026</a:t>
+              <a:t>2/20/2026</a:t>
             </a:fld>
             <a:endParaRPr lang="en-US" dirty="0"/>
           </a:p>
@@ -2159,7 +2159,7 @@
           <a:p>
             <a:fld id="{FD1C4689-B28D-4D3C-8B05-9ABB967E2A3E}" type="datetime1">
               <a:rPr lang="en-US" smtClean="0"/>
-              <a:t>2/13/2026</a:t>
+              <a:t>2/20/2026</a:t>
             </a:fld>
             <a:endParaRPr lang="en-US" dirty="0"/>
           </a:p>
@@ -2558,7 +2558,7 @@
           <a:p>
             <a:fld id="{FD1C4689-B28D-4D3C-8B05-9ABB967E2A3E}" type="datetime1">
               <a:rPr lang="en-US" smtClean="0"/>
-              <a:t>2/13/2026</a:t>
+              <a:t>2/20/2026</a:t>
             </a:fld>
             <a:endParaRPr lang="en-US" dirty="0"/>
           </a:p>
@@ -2734,7 +2734,7 @@
           <a:p>
             <a:fld id="{FD1C4689-B28D-4D3C-8B05-9ABB967E2A3E}" type="datetime1">
               <a:rPr lang="en-US" smtClean="0"/>
-              <a:t>2/13/2026</a:t>
+              <a:t>2/20/2026</a:t>
             </a:fld>
             <a:endParaRPr lang="en-US" dirty="0"/>
           </a:p>
@@ -2920,7 +2920,7 @@
           <a:p>
             <a:fld id="{FD1C4689-B28D-4D3C-8B05-9ABB967E2A3E}" type="datetime1">
               <a:rPr lang="en-US" smtClean="0"/>
-              <a:t>2/13/2026</a:t>
+              <a:t>2/20/2026</a:t>
             </a:fld>
             <a:endParaRPr lang="en-US" dirty="0"/>
           </a:p>
@@ -3096,7 +3096,7 @@
           <a:p>
             <a:fld id="{FD1C4689-B28D-4D3C-8B05-9ABB967E2A3E}" type="datetime1">
               <a:rPr lang="en-US" smtClean="0"/>
-              <a:t>2/13/2026</a:t>
+              <a:t>2/20/2026</a:t>
             </a:fld>
             <a:endParaRPr lang="en-US" dirty="0"/>
           </a:p>
@@ -3349,7 +3349,7 @@
           <a:p>
             <a:fld id="{FD1C4689-B28D-4D3C-8B05-9ABB967E2A3E}" type="datetime1">
               <a:rPr lang="en-US" smtClean="0"/>
-              <a:t>2/13/2026</a:t>
+              <a:t>2/20/2026</a:t>
             </a:fld>
             <a:endParaRPr lang="en-US" dirty="0"/>
           </a:p>
@@ -3587,7 +3587,7 @@
           <a:p>
             <a:fld id="{FD1C4689-B28D-4D3C-8B05-9ABB967E2A3E}" type="datetime1">
               <a:rPr lang="en-US" smtClean="0"/>
-              <a:t>2/13/2026</a:t>
+              <a:t>2/20/2026</a:t>
             </a:fld>
             <a:endParaRPr lang="en-US" dirty="0"/>
           </a:p>
@@ -3967,7 +3967,7 @@
           <a:p>
             <a:fld id="{FD1C4689-B28D-4D3C-8B05-9ABB967E2A3E}" type="datetime1">
               <a:rPr lang="en-US" smtClean="0"/>
-              <a:t>2/13/2026</a:t>
+              <a:t>2/20/2026</a:t>
             </a:fld>
             <a:endParaRPr lang="en-US" dirty="0"/>
           </a:p>
@@ -4096,7 +4096,7 @@
           <a:p>
             <a:fld id="{7C72CE4D-D83F-44D4-ACB0-A88A6B9DB4F7}" type="datetime1">
               <a:rPr lang="en-US" smtClean="0"/>
-              <a:t>2/13/2026</a:t>
+              <a:t>2/20/2026</a:t>
             </a:fld>
             <a:endParaRPr lang="en-US"/>
           </a:p>
@@ -4194,7 +4194,7 @@
           <a:p>
             <a:fld id="{9A62F981-1EE1-49F5-B605-4EA23F0307AC}" type="datetime1">
               <a:rPr lang="en-US" smtClean="0"/>
-              <a:t>2/13/2026</a:t>
+              <a:t>2/20/2026</a:t>
             </a:fld>
             <a:endParaRPr lang="en-US"/>
           </a:p>
@@ -4452,7 +4452,7 @@
           <a:p>
             <a:fld id="{B0B6493B-A447-4205-AC2D-AE2DEDAE4E3B}" type="datetime1">
               <a:rPr lang="en-US" smtClean="0"/>
-              <a:t>2/13/2026</a:t>
+              <a:t>2/20/2026</a:t>
             </a:fld>
             <a:endParaRPr lang="en-US"/>
           </a:p>
@@ -4765,7 +4765,7 @@
           <a:p>
             <a:fld id="{FD1C4689-B28D-4D3C-8B05-9ABB967E2A3E}" type="datetime1">
               <a:rPr lang="en-US" smtClean="0"/>
-              <a:t>2/13/2026</a:t>
+              <a:t>2/20/2026</a:t>
             </a:fld>
             <a:endParaRPr lang="en-US" dirty="0"/>
           </a:p>
@@ -5524,7 +5524,7 @@
           <a:p>
             <a:fld id="{FD1C4689-B28D-4D3C-8B05-9ABB967E2A3E}" type="datetime1">
               <a:rPr lang="en-US" smtClean="0"/>
-              <a:t>2/13/2026</a:t>
+              <a:t>2/20/2026</a:t>
             </a:fld>
             <a:endParaRPr lang="en-US" dirty="0"/>
           </a:p>
